--- a/课程PPT/27.ES6中的let与const.pptx
+++ b/课程PPT/27.ES6中的let与const.pptx
@@ -5,25 +5,24 @@
     <p:sldMasterId id="2147483648" r:id="rId1"/>
   </p:sldMasterIdLst>
   <p:notesMasterIdLst>
-    <p:notesMasterId r:id="rId18"/>
+    <p:notesMasterId r:id="rId5"/>
   </p:notesMasterIdLst>
   <p:sldIdLst>
-    <p:sldId id="1276" r:id="rId2"/>
-    <p:sldId id="1213" r:id="rId3"/>
-    <p:sldId id="773" r:id="rId4"/>
-    <p:sldId id="1199" r:id="rId5"/>
-    <p:sldId id="1214" r:id="rId6"/>
-    <p:sldId id="1207" r:id="rId7"/>
-    <p:sldId id="1234" r:id="rId8"/>
-    <p:sldId id="1217" r:id="rId9"/>
-    <p:sldId id="1218" r:id="rId10"/>
-    <p:sldId id="1249" r:id="rId11"/>
-    <p:sldId id="1235" r:id="rId12"/>
-    <p:sldId id="1219" r:id="rId13"/>
-    <p:sldId id="1257" r:id="rId14"/>
-    <p:sldId id="1220" r:id="rId15"/>
-    <p:sldId id="1250" r:id="rId16"/>
-    <p:sldId id="1104" r:id="rId17"/>
+    <p:sldId id="1276" r:id="rId3"/>
+    <p:sldId id="1213" r:id="rId4"/>
+    <p:sldId id="773" r:id="rId6"/>
+    <p:sldId id="1199" r:id="rId7"/>
+    <p:sldId id="1214" r:id="rId8"/>
+    <p:sldId id="1207" r:id="rId9"/>
+    <p:sldId id="1234" r:id="rId10"/>
+    <p:sldId id="1217" r:id="rId11"/>
+    <p:sldId id="1218" r:id="rId12"/>
+    <p:sldId id="1249" r:id="rId13"/>
+    <p:sldId id="1235" r:id="rId14"/>
+    <p:sldId id="1219" r:id="rId15"/>
+    <p:sldId id="1220" r:id="rId16"/>
+    <p:sldId id="1250" r:id="rId17"/>
+    <p:sldId id="1104" r:id="rId18"/>
   </p:sldIdLst>
   <p:sldSz cx="12192000" cy="6858000"/>
   <p:notesSz cx="6797675" cy="9928225"/>
@@ -342,6 +341,7 @@
               <a:rPr lang="zh-CN" altLang="zh-CN" noProof="0" smtClean="0"/>
               <a:t>                                                   </a:t>
             </a:r>
+            <a:endParaRPr lang="zh-CN" altLang="zh-CN" noProof="0" smtClean="0"/>
           </a:p>
           <a:p>
             <a:pPr lvl="1"/>
@@ -349,6 +349,7 @@
               <a:rPr lang="zh-CN" altLang="zh-CN" noProof="0" smtClean="0"/>
               <a:t>               </a:t>
             </a:r>
+            <a:endParaRPr lang="zh-CN" altLang="zh-CN" noProof="0" smtClean="0"/>
           </a:p>
           <a:p>
             <a:pPr lvl="2"/>
@@ -356,6 +357,7 @@
               <a:rPr lang="zh-CN" altLang="zh-CN" noProof="0" smtClean="0"/>
               <a:t>                </a:t>
             </a:r>
+            <a:endParaRPr lang="zh-CN" altLang="zh-CN" noProof="0" smtClean="0"/>
           </a:p>
           <a:p>
             <a:pPr lvl="3"/>
@@ -363,6 +365,7 @@
               <a:rPr lang="zh-CN" altLang="zh-CN" noProof="0" smtClean="0"/>
               <a:t>                </a:t>
             </a:r>
+            <a:endParaRPr lang="zh-CN" altLang="zh-CN" noProof="0" smtClean="0"/>
           </a:p>
           <a:p>
             <a:pPr lvl="4"/>
@@ -370,6 +373,7 @@
               <a:rPr lang="zh-CN" altLang="zh-CN" noProof="0" smtClean="0"/>
               <a:t>                </a:t>
             </a:r>
+            <a:endParaRPr lang="zh-CN" altLang="zh-CN" noProof="0" smtClean="0"/>
           </a:p>
         </p:txBody>
       </p:sp>
@@ -452,18 +456,12 @@
           <a:p>
             <a:fld id="{D9AFD278-84AA-4CAA-9049-809825956FE0}" type="slidenum">
               <a:rPr lang="en-US" altLang="zh-CN"/>
-              <a:t>‹#›</a:t>
             </a:fld>
             <a:endParaRPr lang="zh-CN" altLang="zh-CN"/>
           </a:p>
         </p:txBody>
       </p:sp>
     </p:spTree>
-    <p:extLst>
-      <p:ext uri="{BB962C8B-B14F-4D97-AF65-F5344CB8AC3E}">
-        <p14:creationId xmlns:p14="http://schemas.microsoft.com/office/powerpoint/2010/main" val="1938291046"/>
-      </p:ext>
-    </p:extLst>
   </p:cSld>
   <p:clrMap bg1="lt1" tx1="dk1" bg2="lt2" tx2="dk2" accent1="accent1" accent2="accent2" accent3="accent3" accent4="accent4" accent5="accent5" accent6="accent6" hlink="hlink" folHlink="folHlink"/>
   <p:notesStyle>
@@ -639,18 +637,21 @@
               <a:rPr lang="zh-CN" altLang="en-US"/>
               <a:t>在1995年时，由Netscape公司的Brendan Eich，在网景导航者浏览器上首次设计实现而成。因为Netscape与Sun合作，Netscape管理层希望它外观看起来像Java，因此取名为JavaScript。但实际上它的语法风格与Self及Scheme较为接近。</a:t>
             </a:r>
+            <a:endParaRPr lang="zh-CN" altLang="en-US"/>
           </a:p>
           <a:p>
             <a:r>
               <a:rPr lang="zh-CN" altLang="en-US"/>
               <a:t>为了取得技术优势，微软推出了JScript，CEnvi推出ScriptEase，与JavaScript同样可在浏览器上运行。为了统一规格，因为JavaScript兼容于ECMA标准，因此也称为ECMAScript。</a:t>
             </a:r>
+            <a:endParaRPr lang="zh-CN" altLang="en-US"/>
           </a:p>
           <a:p>
             <a:r>
               <a:rPr lang="zh-CN" altLang="en-US"/>
               <a:t>发展初期，JavaScript的标准并未确定，同期有Netscape的JavaScript，微软的JScript和CEnvi的ScriptEase三足鼎立。1997年，在ECMA（欧洲计算机制造商协会）的协调下，由Netscape、Sun、微软、Borland组成的工作组确定统一标准：ECMA-262。</a:t>
             </a:r>
+            <a:endParaRPr lang="zh-CN" altLang="en-US"/>
           </a:p>
         </p:txBody>
       </p:sp>
@@ -728,48 +729,56 @@
               <a:rPr lang="zh-CN" altLang="en-US" dirty="0"/>
               <a:t>{</a:t>
             </a:r>
+            <a:endParaRPr lang="zh-CN" altLang="en-US" dirty="0"/>
           </a:p>
           <a:p>
             <a:r>
               <a:rPr lang="zh-CN" altLang="en-US" dirty="0"/>
               <a:t>  {</a:t>
             </a:r>
+            <a:endParaRPr lang="zh-CN" altLang="en-US" dirty="0"/>
           </a:p>
           <a:p>
             <a:r>
               <a:rPr lang="zh-CN" altLang="en-US" dirty="0"/>
               <a:t>  var i = 10;</a:t>
             </a:r>
+            <a:endParaRPr lang="zh-CN" altLang="en-US" dirty="0"/>
           </a:p>
           <a:p>
             <a:r>
               <a:rPr lang="zh-CN" altLang="en-US" dirty="0"/>
               <a:t>  console.log(i);</a:t>
             </a:r>
+            <a:endParaRPr lang="zh-CN" altLang="en-US" dirty="0"/>
           </a:p>
           <a:p>
             <a:r>
               <a:rPr lang="zh-CN" altLang="en-US" dirty="0"/>
               <a:t>  i++;</a:t>
             </a:r>
+            <a:endParaRPr lang="zh-CN" altLang="en-US" dirty="0"/>
           </a:p>
           <a:p>
             <a:r>
               <a:rPr lang="zh-CN" altLang="en-US" dirty="0"/>
               <a:t>  }</a:t>
             </a:r>
+            <a:endParaRPr lang="zh-CN" altLang="en-US" dirty="0"/>
           </a:p>
           <a:p>
             <a:r>
               <a:rPr lang="zh-CN" altLang="en-US" dirty="0"/>
               <a:t>console.log(i);</a:t>
             </a:r>
+            <a:endParaRPr lang="zh-CN" altLang="en-US" dirty="0"/>
           </a:p>
           <a:p>
             <a:r>
               <a:rPr lang="zh-CN" altLang="en-US" dirty="0"/>
               <a:t>}</a:t>
             </a:r>
+            <a:endParaRPr lang="zh-CN" altLang="en-US" dirty="0"/>
           </a:p>
           <a:p>
             <a:r>
@@ -800,7 +809,6 @@
           <a:p>
             <a:fld id="{D9AFD278-84AA-4CAA-9049-809825956FE0}" type="slidenum">
               <a:rPr lang="en-US" altLang="zh-CN" smtClean="0"/>
-              <a:t>5</a:t>
             </a:fld>
             <a:endParaRPr lang="zh-CN" altLang="zh-CN"/>
           </a:p>
@@ -936,48 +944,56 @@
               <a:rPr lang="zh-CN" altLang="en-US" dirty="0"/>
               <a:t>{</a:t>
             </a:r>
+            <a:endParaRPr lang="zh-CN" altLang="en-US" dirty="0"/>
           </a:p>
           <a:p>
             <a:r>
               <a:rPr lang="zh-CN" altLang="en-US" dirty="0"/>
               <a:t>  {</a:t>
             </a:r>
+            <a:endParaRPr lang="zh-CN" altLang="en-US" dirty="0"/>
           </a:p>
           <a:p>
             <a:r>
               <a:rPr lang="zh-CN" altLang="en-US" dirty="0"/>
               <a:t>  var i = 10;</a:t>
             </a:r>
+            <a:endParaRPr lang="zh-CN" altLang="en-US" dirty="0"/>
           </a:p>
           <a:p>
             <a:r>
               <a:rPr lang="zh-CN" altLang="en-US" dirty="0"/>
               <a:t>  console.log(i);</a:t>
             </a:r>
+            <a:endParaRPr lang="zh-CN" altLang="en-US" dirty="0"/>
           </a:p>
           <a:p>
             <a:r>
               <a:rPr lang="zh-CN" altLang="en-US" dirty="0"/>
               <a:t>  i++;</a:t>
             </a:r>
+            <a:endParaRPr lang="zh-CN" altLang="en-US" dirty="0"/>
           </a:p>
           <a:p>
             <a:r>
               <a:rPr lang="zh-CN" altLang="en-US" dirty="0"/>
               <a:t>  }</a:t>
             </a:r>
+            <a:endParaRPr lang="zh-CN" altLang="en-US" dirty="0"/>
           </a:p>
           <a:p>
             <a:r>
               <a:rPr lang="zh-CN" altLang="en-US" dirty="0"/>
               <a:t>console.log(i);</a:t>
             </a:r>
+            <a:endParaRPr lang="zh-CN" altLang="en-US" dirty="0"/>
           </a:p>
           <a:p>
             <a:r>
               <a:rPr lang="zh-CN" altLang="en-US" dirty="0"/>
               <a:t>}</a:t>
             </a:r>
+            <a:endParaRPr lang="zh-CN" altLang="en-US" dirty="0"/>
           </a:p>
           <a:p>
             <a:r>
@@ -1008,7 +1024,6 @@
           <a:p>
             <a:fld id="{D9AFD278-84AA-4CAA-9049-809825956FE0}" type="slidenum">
               <a:rPr lang="en-US" altLang="zh-CN" smtClean="0"/>
-              <a:t>8</a:t>
             </a:fld>
             <a:endParaRPr lang="zh-CN" altLang="zh-CN"/>
           </a:p>
@@ -1199,7 +1214,6 @@
           <a:p>
             <a:fld id="{D9AFD278-84AA-4CAA-9049-809825956FE0}" type="slidenum">
               <a:rPr lang="en-US" altLang="zh-CN" smtClean="0"/>
-              <a:t>12</a:t>
             </a:fld>
             <a:endParaRPr lang="zh-CN" altLang="zh-CN"/>
           </a:p>
@@ -1257,6 +1271,87 @@
           <a:bodyPr/>
           <a:lstStyle/>
           <a:p>
+            <a:r>
+              <a:rPr lang="en-US" altLang="zh-CN" dirty="0"/>
+              <a:t>//</a:t>
+            </a:r>
+            <a:r>
+              <a:rPr lang="zh-CN" altLang="en-US" dirty="0"/>
+              <a:t>另外的例子</a:t>
+            </a:r>
+            <a:br>
+              <a:rPr lang="zh-CN" altLang="en-US" dirty="0"/>
+            </a:br>
+            <a:r>
+              <a:rPr lang="zh-CN" altLang="en-US" dirty="0"/>
+              <a:t>function f()</a:t>
+            </a:r>
+            <a:br>
+              <a:rPr lang="zh-CN" altLang="en-US" dirty="0"/>
+            </a:br>
+            <a:r>
+              <a:rPr lang="zh-CN" altLang="en-US" dirty="0"/>
+              <a:t>{</a:t>
+            </a:r>
+            <a:endParaRPr lang="zh-CN" altLang="en-US" dirty="0"/>
+          </a:p>
+          <a:p>
+            <a:r>
+              <a:rPr lang="zh-CN" altLang="en-US" dirty="0"/>
+              <a:t>  {</a:t>
+            </a:r>
+            <a:endParaRPr lang="zh-CN" altLang="en-US" dirty="0"/>
+          </a:p>
+          <a:p>
+            <a:r>
+              <a:rPr lang="zh-CN" altLang="en-US" dirty="0"/>
+              <a:t>  var i = 10;</a:t>
+            </a:r>
+            <a:endParaRPr lang="zh-CN" altLang="en-US" dirty="0"/>
+          </a:p>
+          <a:p>
+            <a:r>
+              <a:rPr lang="zh-CN" altLang="en-US" dirty="0"/>
+              <a:t>  console.log(i);</a:t>
+            </a:r>
+            <a:endParaRPr lang="zh-CN" altLang="en-US" dirty="0"/>
+          </a:p>
+          <a:p>
+            <a:r>
+              <a:rPr lang="zh-CN" altLang="en-US" dirty="0"/>
+              <a:t>  i++;</a:t>
+            </a:r>
+            <a:endParaRPr lang="zh-CN" altLang="en-US" dirty="0"/>
+          </a:p>
+          <a:p>
+            <a:r>
+              <a:rPr lang="zh-CN" altLang="en-US" dirty="0"/>
+              <a:t>  }</a:t>
+            </a:r>
+            <a:endParaRPr lang="zh-CN" altLang="en-US" dirty="0"/>
+          </a:p>
+          <a:p>
+            <a:r>
+              <a:rPr lang="zh-CN" altLang="en-US" dirty="0"/>
+              <a:t>console.log(i);</a:t>
+            </a:r>
+            <a:endParaRPr lang="zh-CN" altLang="en-US" dirty="0"/>
+          </a:p>
+          <a:p>
+            <a:r>
+              <a:rPr lang="zh-CN" altLang="en-US" dirty="0"/>
+              <a:t>}</a:t>
+            </a:r>
+            <a:endParaRPr lang="zh-CN" altLang="en-US" dirty="0"/>
+          </a:p>
+          <a:p>
+            <a:r>
+              <a:rPr lang="zh-CN" altLang="en-US" dirty="0"/>
+              <a:t>f();</a:t>
+            </a:r>
+            <a:br>
+              <a:rPr lang="zh-CN" altLang="en-US" dirty="0"/>
+            </a:br>
             <a:endParaRPr lang="zh-CN" altLang="en-US" dirty="0"/>
           </a:p>
         </p:txBody>
@@ -1278,159 +1373,6 @@
           <a:p>
             <a:fld id="{D9AFD278-84AA-4CAA-9049-809825956FE0}" type="slidenum">
               <a:rPr lang="en-US" altLang="zh-CN" smtClean="0"/>
-              <a:t>13</a:t>
-            </a:fld>
-            <a:endParaRPr lang="zh-CN" altLang="zh-CN"/>
-          </a:p>
-        </p:txBody>
-      </p:sp>
-    </p:spTree>
-  </p:cSld>
-  <p:clrMapOvr>
-    <a:masterClrMapping/>
-  </p:clrMapOvr>
-</p:notes>
-</file>
-
-<file path=ppt/notesSlides/notesSlide9.xml><?xml version="1.0" encoding="utf-8"?>
-<p:notes xmlns:a="http://schemas.openxmlformats.org/drawingml/2006/main" xmlns:r="http://schemas.openxmlformats.org/officeDocument/2006/relationships" xmlns:p="http://schemas.openxmlformats.org/presentationml/2006/main">
-  <p:cSld>
-    <p:spTree>
-      <p:nvGrpSpPr>
-        <p:cNvPr id="1" name=""/>
-        <p:cNvGrpSpPr/>
-        <p:nvPr/>
-      </p:nvGrpSpPr>
-      <p:grpSpPr>
-        <a:xfrm>
-          <a:off x="0" y="0"/>
-          <a:ext cx="0" cy="0"/>
-          <a:chOff x="0" y="0"/>
-          <a:chExt cx="0" cy="0"/>
-        </a:xfrm>
-      </p:grpSpPr>
-      <p:sp>
-        <p:nvSpPr>
-          <p:cNvPr id="2" name="幻灯片图像占位符 1"/>
-          <p:cNvSpPr>
-            <a:spLocks noGrp="1" noRot="1" noChangeAspect="1"/>
-          </p:cNvSpPr>
-          <p:nvPr>
-            <p:ph type="sldImg"/>
-          </p:nvPr>
-        </p:nvSpPr>
-        <p:spPr/>
-      </p:sp>
-      <p:sp>
-        <p:nvSpPr>
-          <p:cNvPr id="3" name="备注占位符 2"/>
-          <p:cNvSpPr>
-            <a:spLocks noGrp="1"/>
-          </p:cNvSpPr>
-          <p:nvPr>
-            <p:ph type="body" idx="1"/>
-          </p:nvPr>
-        </p:nvSpPr>
-        <p:spPr/>
-        <p:txBody>
-          <a:bodyPr/>
-          <a:lstStyle/>
-          <a:p>
-            <a:r>
-              <a:rPr lang="en-US" altLang="zh-CN" dirty="0"/>
-              <a:t>//</a:t>
-            </a:r>
-            <a:r>
-              <a:rPr lang="zh-CN" altLang="en-US" dirty="0"/>
-              <a:t>另外的例子</a:t>
-            </a:r>
-            <a:br>
-              <a:rPr lang="zh-CN" altLang="en-US" dirty="0"/>
-            </a:br>
-            <a:r>
-              <a:rPr lang="zh-CN" altLang="en-US" dirty="0"/>
-              <a:t>function f()</a:t>
-            </a:r>
-            <a:br>
-              <a:rPr lang="zh-CN" altLang="en-US" dirty="0"/>
-            </a:br>
-            <a:r>
-              <a:rPr lang="zh-CN" altLang="en-US" dirty="0"/>
-              <a:t>{</a:t>
-            </a:r>
-          </a:p>
-          <a:p>
-            <a:r>
-              <a:rPr lang="zh-CN" altLang="en-US" dirty="0"/>
-              <a:t>  {</a:t>
-            </a:r>
-          </a:p>
-          <a:p>
-            <a:r>
-              <a:rPr lang="zh-CN" altLang="en-US" dirty="0"/>
-              <a:t>  var i = 10;</a:t>
-            </a:r>
-          </a:p>
-          <a:p>
-            <a:r>
-              <a:rPr lang="zh-CN" altLang="en-US" dirty="0"/>
-              <a:t>  console.log(i);</a:t>
-            </a:r>
-          </a:p>
-          <a:p>
-            <a:r>
-              <a:rPr lang="zh-CN" altLang="en-US" dirty="0"/>
-              <a:t>  i++;</a:t>
-            </a:r>
-          </a:p>
-          <a:p>
-            <a:r>
-              <a:rPr lang="zh-CN" altLang="en-US" dirty="0"/>
-              <a:t>  }</a:t>
-            </a:r>
-          </a:p>
-          <a:p>
-            <a:r>
-              <a:rPr lang="zh-CN" altLang="en-US" dirty="0"/>
-              <a:t>console.log(i);</a:t>
-            </a:r>
-          </a:p>
-          <a:p>
-            <a:r>
-              <a:rPr lang="zh-CN" altLang="en-US" dirty="0"/>
-              <a:t>}</a:t>
-            </a:r>
-          </a:p>
-          <a:p>
-            <a:r>
-              <a:rPr lang="zh-CN" altLang="en-US" dirty="0"/>
-              <a:t>f();</a:t>
-            </a:r>
-            <a:br>
-              <a:rPr lang="zh-CN" altLang="en-US" dirty="0"/>
-            </a:br>
-            <a:endParaRPr lang="zh-CN" altLang="en-US" dirty="0"/>
-          </a:p>
-        </p:txBody>
-      </p:sp>
-      <p:sp>
-        <p:nvSpPr>
-          <p:cNvPr id="4" name="灯片编号占位符 3"/>
-          <p:cNvSpPr>
-            <a:spLocks noGrp="1"/>
-          </p:cNvSpPr>
-          <p:nvPr>
-            <p:ph type="sldNum" sz="quarter" idx="10"/>
-          </p:nvPr>
-        </p:nvSpPr>
-        <p:spPr/>
-        <p:txBody>
-          <a:bodyPr/>
-          <a:lstStyle/>
-          <a:p>
-            <a:fld id="{D9AFD278-84AA-4CAA-9049-809825956FE0}" type="slidenum">
-              <a:rPr lang="en-US" altLang="zh-CN" smtClean="0"/>
-              <a:t>14</a:t>
             </a:fld>
             <a:endParaRPr lang="zh-CN" altLang="zh-CN"/>
           </a:p>
@@ -1514,6 +1456,7 @@
               <a:rPr lang="zh-CN" altLang="en-US" dirty="0" smtClean="0"/>
               <a:t>单击此处编辑母版文本样式</a:t>
             </a:r>
+            <a:endParaRPr lang="zh-CN" altLang="en-US" dirty="0" smtClean="0"/>
           </a:p>
           <a:p>
             <a:pPr lvl="1"/>
@@ -1521,6 +1464,7 @@
               <a:rPr lang="zh-CN" altLang="en-US" dirty="0" smtClean="0"/>
               <a:t>第二级</a:t>
             </a:r>
+            <a:endParaRPr lang="zh-CN" altLang="en-US" dirty="0" smtClean="0"/>
           </a:p>
           <a:p>
             <a:pPr lvl="2"/>
@@ -1528,6 +1472,7 @@
               <a:rPr lang="zh-CN" altLang="en-US" dirty="0" smtClean="0"/>
               <a:t>第三级</a:t>
             </a:r>
+            <a:endParaRPr lang="zh-CN" altLang="en-US" dirty="0" smtClean="0"/>
           </a:p>
           <a:p>
             <a:pPr lvl="3"/>
@@ -1535,6 +1480,7 @@
               <a:rPr lang="zh-CN" altLang="en-US" dirty="0" smtClean="0"/>
               <a:t>第四级</a:t>
             </a:r>
+            <a:endParaRPr lang="zh-CN" altLang="en-US" dirty="0" smtClean="0"/>
           </a:p>
         </p:txBody>
       </p:sp>
@@ -1596,6 +1542,7 @@
               <a:rPr lang="zh-CN" altLang="en-US" dirty="0" smtClean="0"/>
               <a:t>单击此处编辑母版文本样式</a:t>
             </a:r>
+            <a:endParaRPr lang="zh-CN" altLang="en-US" dirty="0" smtClean="0"/>
           </a:p>
         </p:txBody>
       </p:sp>
@@ -1652,7 +1599,6 @@
           <a:p>
             <a:fld id="{2030C94F-1E7C-47E3-9C60-176A530B03BF}" type="slidenum">
               <a:rPr lang="en-US" altLang="zh-CN"/>
-              <a:t>‹#›</a:t>
             </a:fld>
             <a:endParaRPr lang="zh-CN" altLang="zh-CN" sz="3200" b="0"/>
           </a:p>
@@ -1743,6 +1689,7 @@
               <a:rPr lang="zh-CN" altLang="en-US" dirty="0" smtClean="0"/>
               <a:t>单击此处编辑母版文本样式</a:t>
             </a:r>
+            <a:endParaRPr lang="zh-CN" altLang="en-US" dirty="0" smtClean="0"/>
           </a:p>
           <a:p>
             <a:pPr lvl="1"/>
@@ -1750,6 +1697,7 @@
               <a:rPr lang="zh-CN" altLang="en-US" dirty="0" smtClean="0"/>
               <a:t>第二级</a:t>
             </a:r>
+            <a:endParaRPr lang="zh-CN" altLang="en-US" dirty="0" smtClean="0"/>
           </a:p>
           <a:p>
             <a:pPr lvl="2"/>
@@ -1757,6 +1705,7 @@
               <a:rPr lang="zh-CN" altLang="en-US" dirty="0" smtClean="0"/>
               <a:t>第三级</a:t>
             </a:r>
+            <a:endParaRPr lang="zh-CN" altLang="en-US" dirty="0" smtClean="0"/>
           </a:p>
           <a:p>
             <a:pPr lvl="3"/>
@@ -1764,6 +1713,7 @@
               <a:rPr lang="zh-CN" altLang="en-US" dirty="0" smtClean="0"/>
               <a:t>第四级</a:t>
             </a:r>
+            <a:endParaRPr lang="zh-CN" altLang="en-US" dirty="0" smtClean="0"/>
           </a:p>
         </p:txBody>
       </p:sp>
@@ -1821,6 +1771,7 @@
               <a:rPr lang="zh-CN" altLang="en-US" dirty="0" smtClean="0"/>
               <a:t>单击此处编辑母版文本样式</a:t>
             </a:r>
+            <a:endParaRPr lang="zh-CN" altLang="en-US" dirty="0" smtClean="0"/>
           </a:p>
         </p:txBody>
       </p:sp>
@@ -1902,6 +1853,7 @@
               <a:rPr lang="zh-CN" altLang="en-US" dirty="0" smtClean="0"/>
               <a:t>单击此处编辑母版文本样式</a:t>
             </a:r>
+            <a:endParaRPr lang="zh-CN" altLang="en-US" dirty="0" smtClean="0"/>
           </a:p>
           <a:p>
             <a:pPr lvl="1"/>
@@ -1909,6 +1861,7 @@
               <a:rPr lang="zh-CN" altLang="en-US" dirty="0" smtClean="0"/>
               <a:t>第二级</a:t>
             </a:r>
+            <a:endParaRPr lang="zh-CN" altLang="en-US" dirty="0" smtClean="0"/>
           </a:p>
           <a:p>
             <a:pPr lvl="2"/>
@@ -1916,6 +1869,7 @@
               <a:rPr lang="zh-CN" altLang="en-US" dirty="0" smtClean="0"/>
               <a:t>第三级</a:t>
             </a:r>
+            <a:endParaRPr lang="zh-CN" altLang="en-US" dirty="0" smtClean="0"/>
           </a:p>
           <a:p>
             <a:pPr lvl="3"/>
@@ -1923,6 +1877,7 @@
               <a:rPr lang="zh-CN" altLang="en-US" dirty="0" smtClean="0"/>
               <a:t>第四级</a:t>
             </a:r>
+            <a:endParaRPr lang="zh-CN" altLang="en-US" dirty="0" smtClean="0"/>
           </a:p>
         </p:txBody>
       </p:sp>
@@ -1980,6 +1935,7 @@
               <a:rPr lang="zh-CN" altLang="en-US" dirty="0" smtClean="0"/>
               <a:t>单击此处编辑母版文本样式</a:t>
             </a:r>
+            <a:endParaRPr lang="zh-CN" altLang="en-US" dirty="0" smtClean="0"/>
           </a:p>
         </p:txBody>
       </p:sp>
@@ -2061,6 +2017,7 @@
               <a:rPr lang="zh-CN" altLang="en-US" dirty="0" smtClean="0"/>
               <a:t>单击此处编辑母版文本样式</a:t>
             </a:r>
+            <a:endParaRPr lang="zh-CN" altLang="en-US" dirty="0" smtClean="0"/>
           </a:p>
           <a:p>
             <a:pPr lvl="1"/>
@@ -2068,6 +2025,7 @@
               <a:rPr lang="zh-CN" altLang="en-US" dirty="0" smtClean="0"/>
               <a:t>第二级</a:t>
             </a:r>
+            <a:endParaRPr lang="zh-CN" altLang="en-US" dirty="0" smtClean="0"/>
           </a:p>
           <a:p>
             <a:pPr lvl="2"/>
@@ -2075,6 +2033,7 @@
               <a:rPr lang="zh-CN" altLang="en-US" dirty="0" smtClean="0"/>
               <a:t>第三级</a:t>
             </a:r>
+            <a:endParaRPr lang="zh-CN" altLang="en-US" dirty="0" smtClean="0"/>
           </a:p>
           <a:p>
             <a:pPr lvl="3"/>
@@ -2082,6 +2041,7 @@
               <a:rPr lang="zh-CN" altLang="en-US" dirty="0" smtClean="0"/>
               <a:t>第四级</a:t>
             </a:r>
+            <a:endParaRPr lang="zh-CN" altLang="en-US" dirty="0" smtClean="0"/>
           </a:p>
         </p:txBody>
       </p:sp>
@@ -2139,6 +2099,7 @@
               <a:rPr lang="zh-CN" altLang="en-US" dirty="0" smtClean="0"/>
               <a:t>单击此处编辑母版文本样式</a:t>
             </a:r>
+            <a:endParaRPr lang="zh-CN" altLang="en-US" dirty="0" smtClean="0"/>
           </a:p>
         </p:txBody>
       </p:sp>
@@ -2220,6 +2181,7 @@
               <a:rPr lang="zh-CN" altLang="en-US" dirty="0" smtClean="0"/>
               <a:t>单击此处编辑母版文本样式</a:t>
             </a:r>
+            <a:endParaRPr lang="zh-CN" altLang="en-US" dirty="0" smtClean="0"/>
           </a:p>
           <a:p>
             <a:pPr lvl="1"/>
@@ -2227,6 +2189,7 @@
               <a:rPr lang="zh-CN" altLang="en-US" dirty="0" smtClean="0"/>
               <a:t>第二级</a:t>
             </a:r>
+            <a:endParaRPr lang="zh-CN" altLang="en-US" dirty="0" smtClean="0"/>
           </a:p>
           <a:p>
             <a:pPr lvl="2"/>
@@ -2234,6 +2197,7 @@
               <a:rPr lang="zh-CN" altLang="en-US" dirty="0" smtClean="0"/>
               <a:t>第三级</a:t>
             </a:r>
+            <a:endParaRPr lang="zh-CN" altLang="en-US" dirty="0" smtClean="0"/>
           </a:p>
           <a:p>
             <a:pPr lvl="3"/>
@@ -2241,6 +2205,7 @@
               <a:rPr lang="zh-CN" altLang="en-US" dirty="0" smtClean="0"/>
               <a:t>第四级</a:t>
             </a:r>
+            <a:endParaRPr lang="zh-CN" altLang="en-US" dirty="0" smtClean="0"/>
           </a:p>
         </p:txBody>
       </p:sp>
@@ -2298,6 +2263,7 @@
               <a:rPr lang="zh-CN" altLang="en-US" dirty="0" smtClean="0"/>
               <a:t>单击此处编辑母版文本样式</a:t>
             </a:r>
+            <a:endParaRPr lang="zh-CN" altLang="en-US" dirty="0" smtClean="0"/>
           </a:p>
         </p:txBody>
       </p:sp>
@@ -2379,6 +2345,7 @@
               <a:rPr lang="zh-CN" altLang="en-US" dirty="0" smtClean="0"/>
               <a:t>单击此处编辑母版文本样式</a:t>
             </a:r>
+            <a:endParaRPr lang="zh-CN" altLang="en-US" dirty="0" smtClean="0"/>
           </a:p>
           <a:p>
             <a:pPr lvl="1"/>
@@ -2386,6 +2353,7 @@
               <a:rPr lang="zh-CN" altLang="en-US" dirty="0" smtClean="0"/>
               <a:t>第二级</a:t>
             </a:r>
+            <a:endParaRPr lang="zh-CN" altLang="en-US" dirty="0" smtClean="0"/>
           </a:p>
           <a:p>
             <a:pPr lvl="2"/>
@@ -2393,6 +2361,7 @@
               <a:rPr lang="zh-CN" altLang="en-US" dirty="0" smtClean="0"/>
               <a:t>第三级</a:t>
             </a:r>
+            <a:endParaRPr lang="zh-CN" altLang="en-US" dirty="0" smtClean="0"/>
           </a:p>
           <a:p>
             <a:pPr lvl="3"/>
@@ -2400,6 +2369,7 @@
               <a:rPr lang="zh-CN" altLang="en-US" dirty="0" smtClean="0"/>
               <a:t>第四级</a:t>
             </a:r>
+            <a:endParaRPr lang="zh-CN" altLang="en-US" dirty="0" smtClean="0"/>
           </a:p>
         </p:txBody>
       </p:sp>
@@ -2457,6 +2427,7 @@
               <a:rPr lang="zh-CN" altLang="en-US" dirty="0" smtClean="0"/>
               <a:t>单击此处编辑母版文本样式</a:t>
             </a:r>
+            <a:endParaRPr lang="zh-CN" altLang="en-US" dirty="0" smtClean="0"/>
           </a:p>
         </p:txBody>
       </p:sp>
@@ -2538,6 +2509,7 @@
               <a:rPr lang="zh-CN" altLang="en-US" dirty="0" smtClean="0"/>
               <a:t>单击此处编辑母版文本样式</a:t>
             </a:r>
+            <a:endParaRPr lang="zh-CN" altLang="en-US" dirty="0" smtClean="0"/>
           </a:p>
           <a:p>
             <a:pPr lvl="1"/>
@@ -2545,6 +2517,7 @@
               <a:rPr lang="zh-CN" altLang="en-US" dirty="0" smtClean="0"/>
               <a:t>第二级</a:t>
             </a:r>
+            <a:endParaRPr lang="zh-CN" altLang="en-US" dirty="0" smtClean="0"/>
           </a:p>
           <a:p>
             <a:pPr lvl="2"/>
@@ -2552,6 +2525,7 @@
               <a:rPr lang="zh-CN" altLang="en-US" dirty="0" smtClean="0"/>
               <a:t>第三级</a:t>
             </a:r>
+            <a:endParaRPr lang="zh-CN" altLang="en-US" dirty="0" smtClean="0"/>
           </a:p>
           <a:p>
             <a:pPr lvl="3"/>
@@ -2559,6 +2533,7 @@
               <a:rPr lang="zh-CN" altLang="en-US" dirty="0" smtClean="0"/>
               <a:t>第四级</a:t>
             </a:r>
+            <a:endParaRPr lang="zh-CN" altLang="en-US" dirty="0" smtClean="0"/>
           </a:p>
         </p:txBody>
       </p:sp>
@@ -2616,6 +2591,7 @@
               <a:rPr lang="zh-CN" altLang="en-US" dirty="0" smtClean="0"/>
               <a:t>单击此处编辑母版文本样式</a:t>
             </a:r>
+            <a:endParaRPr lang="zh-CN" altLang="en-US" dirty="0" smtClean="0"/>
           </a:p>
         </p:txBody>
       </p:sp>
@@ -2709,6 +2685,7 @@
               <a:rPr lang="zh-CN" altLang="en-US" dirty="0" smtClean="0"/>
               <a:t>单击此处编辑母版文本样式</a:t>
             </a:r>
+            <a:endParaRPr lang="zh-CN" altLang="en-US" dirty="0" smtClean="0"/>
           </a:p>
           <a:p>
             <a:pPr lvl="1"/>
@@ -2716,6 +2693,7 @@
               <a:rPr lang="zh-CN" altLang="en-US" dirty="0" smtClean="0"/>
               <a:t>第二级</a:t>
             </a:r>
+            <a:endParaRPr lang="zh-CN" altLang="en-US" dirty="0" smtClean="0"/>
           </a:p>
           <a:p>
             <a:pPr lvl="2"/>
@@ -2723,6 +2701,7 @@
               <a:rPr lang="zh-CN" altLang="en-US" dirty="0" smtClean="0"/>
               <a:t>第三级</a:t>
             </a:r>
+            <a:endParaRPr lang="zh-CN" altLang="en-US" dirty="0" smtClean="0"/>
           </a:p>
           <a:p>
             <a:pPr lvl="3"/>
@@ -2730,6 +2709,7 @@
               <a:rPr lang="zh-CN" altLang="en-US" dirty="0" smtClean="0"/>
               <a:t>第四级</a:t>
             </a:r>
+            <a:endParaRPr lang="zh-CN" altLang="en-US" dirty="0" smtClean="0"/>
           </a:p>
         </p:txBody>
       </p:sp>
@@ -2791,6 +2771,7 @@
               <a:rPr lang="zh-CN" altLang="en-US" dirty="0" smtClean="0"/>
               <a:t>单击此处编辑母版文本样式</a:t>
             </a:r>
+            <a:endParaRPr lang="zh-CN" altLang="en-US" dirty="0" smtClean="0"/>
           </a:p>
         </p:txBody>
       </p:sp>
@@ -2815,7 +2796,7 @@
     <p:bg bwMode="auto">
       <p:bgPr>
         <a:blipFill dpi="0" rotWithShape="0">
-          <a:blip r:embed="rId11"/>
+          <a:blip r:embed="rId10"/>
           <a:srcRect/>
           <a:stretch>
             <a:fillRect/>
@@ -2874,7 +2855,6 @@
           <a:p>
             <a:fld id="{43A45880-9E2A-43E4-955C-AEB11E14255E}" type="slidenum">
               <a:rPr lang="en-US" altLang="zh-CN"/>
-              <a:t>‹#›</a:t>
             </a:fld>
             <a:endParaRPr lang="zh-CN" altLang="zh-CN"/>
           </a:p>
@@ -2889,7 +2869,7 @@
           <p:nvPr/>
         </p:nvPicPr>
         <p:blipFill>
-          <a:blip r:embed="rId12">
+          <a:blip r:embed="rId11">
             <a:extLst>
               <a:ext uri="{28A0092B-C50C-407E-A947-70E740481C1C}">
                 <a14:useLocalDpi xmlns:a14="http://schemas.microsoft.com/office/drawing/2010/main" val="0"/>
@@ -2943,7 +2923,7 @@
           <p:nvPr/>
         </p:nvPicPr>
         <p:blipFill>
-          <a:blip r:embed="rId13">
+          <a:blip r:embed="rId12">
             <a:extLst>
               <a:ext uri="{28A0092B-C50C-407E-A947-70E740481C1C}">
                 <a14:useLocalDpi xmlns:a14="http://schemas.microsoft.com/office/drawing/2010/main" val="0"/>
@@ -3456,7 +3436,7 @@
           <p:nvPr/>
         </p:nvPicPr>
         <p:blipFill>
-          <a:blip r:embed="rId2">
+          <a:blip r:embed="rId1">
             <a:extLst>
               <a:ext uri="{28A0092B-C50C-407E-A947-70E740481C1C}">
                 <a14:useLocalDpi xmlns:a14="http://schemas.microsoft.com/office/drawing/2010/main" val="0"/>
@@ -3741,6 +3721,7 @@
               <a:rPr lang="zh-CN"/>
               <a:t>背景知识</a:t>
             </a:r>
+            <a:endParaRPr lang="zh-CN"/>
           </a:p>
         </p:txBody>
       </p:sp>
@@ -3753,7 +3734,7 @@
           <p:nvPr/>
         </p:nvPicPr>
         <p:blipFill>
-          <a:blip r:embed="rId3">
+          <a:blip r:embed="rId2">
             <a:extLst>
               <a:ext uri="{28A0092B-C50C-407E-A947-70E740481C1C}">
                 <a14:useLocalDpi xmlns:a14="http://schemas.microsoft.com/office/drawing/2010/main" val="0"/>
@@ -3901,6 +3882,12 @@
               </a:rPr>
               <a:t>不变的函数</a:t>
             </a:r>
+            <a:endParaRPr lang="zh-CN" sz="3200" dirty="0" smtClean="0">
+              <a:solidFill>
+                <a:schemeClr val="tx1"/>
+              </a:solidFill>
+              <a:sym typeface="+mn-ea"/>
+            </a:endParaRPr>
           </a:p>
           <a:p>
             <a:pPr>
@@ -3996,6 +3983,12 @@
               </a:rPr>
               <a:t>，但其属性是可变的</a:t>
             </a:r>
+            <a:endParaRPr lang="zh-CN" altLang="en-US" sz="3200" dirty="0" smtClean="0">
+              <a:solidFill>
+                <a:schemeClr val="tx1"/>
+              </a:solidFill>
+              <a:sym typeface="+mn-ea"/>
+            </a:endParaRPr>
           </a:p>
         </p:txBody>
       </p:sp>
@@ -4128,7 +4121,7 @@
           <p:nvPr/>
         </p:nvPicPr>
         <p:blipFill>
-          <a:blip r:embed="rId3"/>
+          <a:blip r:embed="rId1"/>
           <a:stretch>
             <a:fillRect/>
           </a:stretch>
@@ -4152,7 +4145,7 @@
           <p:nvPr/>
         </p:nvPicPr>
         <p:blipFill>
-          <a:blip r:embed="rId4"/>
+          <a:blip r:embed="rId2"/>
           <a:stretch>
             <a:fillRect/>
           </a:stretch>
@@ -4890,6 +4883,11 @@
               </a:rPr>
               <a:t>及其缺陷</a:t>
             </a:r>
+            <a:endParaRPr lang="zh-CN" altLang="en-US" sz="2800" b="1">
+              <a:solidFill>
+                <a:schemeClr val="tx1"/>
+              </a:solidFill>
+            </a:endParaRPr>
           </a:p>
           <a:p>
             <a:pPr algn="l">
@@ -4953,6 +4951,12 @@
               </a:rPr>
               <a:t>const</a:t>
             </a:r>
+            <a:endParaRPr lang="en-US" altLang="zh-CN" sz="2800" b="1">
+              <a:solidFill>
+                <a:schemeClr val="tx1"/>
+              </a:solidFill>
+              <a:sym typeface="+mn-ea"/>
+            </a:endParaRPr>
           </a:p>
           <a:p>
             <a:pPr algn="l">
@@ -5003,6 +5007,11 @@
               </a:rPr>
               <a:t>的重要特性</a:t>
             </a:r>
+            <a:endParaRPr lang="zh-CN" altLang="en-US" sz="2800" b="1">
+              <a:solidFill>
+                <a:srgbClr val="FF0000"/>
+              </a:solidFill>
+            </a:endParaRPr>
           </a:p>
         </p:txBody>
       </p:sp>
@@ -5373,6 +5382,12 @@
               </a:rPr>
               <a:t>）</a:t>
             </a:r>
+            <a:endParaRPr kumimoji="0" lang="zh-CN" sz="3200" dirty="0" smtClean="0">
+              <a:solidFill>
+                <a:schemeClr val="tx1"/>
+              </a:solidFill>
+              <a:sym typeface="+mn-ea"/>
+            </a:endParaRPr>
           </a:p>
           <a:p>
             <a:pPr marL="0" indent="0">
@@ -5395,15 +5410,6 @@
               </a:lnSpc>
               <a:buNone/>
             </a:pPr>
-            <a:r>
-              <a:rPr kumimoji="0" lang="en-US" altLang="zh-CN" sz="2400" dirty="0" smtClean="0">
-                <a:solidFill>
-                  <a:schemeClr val="tx1"/>
-                </a:solidFill>
-                <a:sym typeface="+mn-ea"/>
-              </a:rPr>
-              <a:t/>
-            </a:r>
             <a:br>
               <a:rPr kumimoji="0" lang="en-US" altLang="zh-CN" sz="2400" dirty="0" smtClean="0">
                 <a:solidFill>
@@ -5488,6 +5494,12 @@
               </a:rPr>
               <a:t>不提升）</a:t>
             </a:r>
+            <a:endParaRPr kumimoji="0" lang="zh-CN" altLang="en-US" sz="3200" dirty="0" smtClean="0">
+              <a:solidFill>
+                <a:schemeClr val="tx1"/>
+              </a:solidFill>
+              <a:sym typeface="+mn-ea"/>
+            </a:endParaRPr>
           </a:p>
           <a:p>
             <a:pPr>
@@ -5592,6 +5604,7 @@
               <a:rPr kumimoji="0" lang="zh-CN" altLang="en-US" dirty="0"/>
               <a:t>不进行变量提升特性</a:t>
             </a:r>
+            <a:endParaRPr kumimoji="0" lang="zh-CN" altLang="en-US" dirty="0"/>
           </a:p>
         </p:txBody>
       </p:sp>
@@ -5604,7 +5617,7 @@
           <p:nvPr/>
         </p:nvPicPr>
         <p:blipFill>
-          <a:blip r:embed="rId3"/>
+          <a:blip r:embed="rId1"/>
           <a:srcRect r="54844" b="79422"/>
           <a:stretch>
             <a:fillRect/>
@@ -5650,6 +5663,11 @@
               </a:rPr>
               <a:t>等价于</a:t>
             </a:r>
+            <a:endParaRPr lang="zh-CN" altLang="en-US" sz="2400">
+              <a:solidFill>
+                <a:srgbClr val="FF0000"/>
+              </a:solidFill>
+            </a:endParaRPr>
           </a:p>
           <a:p>
             <a:r>
@@ -5660,6 +5678,11 @@
               </a:rPr>
               <a:t>=&gt;</a:t>
             </a:r>
+            <a:endParaRPr lang="en-US" altLang="zh-CN" sz="2400">
+              <a:solidFill>
+                <a:srgbClr val="FF0000"/>
+              </a:solidFill>
+            </a:endParaRPr>
           </a:p>
         </p:txBody>
       </p:sp>
@@ -5672,7 +5695,7 @@
           <p:nvPr/>
         </p:nvPicPr>
         <p:blipFill>
-          <a:blip r:embed="rId4"/>
+          <a:blip r:embed="rId2"/>
           <a:stretch>
             <a:fillRect/>
           </a:stretch>
@@ -5696,7 +5719,7 @@
           <p:nvPr/>
         </p:nvPicPr>
         <p:blipFill>
-          <a:blip r:embed="rId5"/>
+          <a:blip r:embed="rId3"/>
           <a:stretch>
             <a:fillRect/>
           </a:stretch>
@@ -6492,7 +6515,7 @@
         <p:spPr bwMode="auto">
           <a:xfrm>
             <a:off x="947420" y="796925"/>
-            <a:ext cx="10697210" cy="5115560"/>
+            <a:ext cx="10057130" cy="5115560"/>
           </a:xfrm>
           <a:noFill/>
           <a:extLst>
@@ -6531,722 +6554,120 @@
                 </a:solidFill>
                 <a:sym typeface="+mn-ea"/>
               </a:rPr>
-              <a:t>ES5</a:t>
-            </a:r>
-            <a:r>
-              <a:rPr kumimoji="0" lang="zh-CN" altLang="en-US" sz="3200" dirty="0" smtClean="0">
-                <a:solidFill>
-                  <a:schemeClr val="tx1"/>
-                </a:solidFill>
-                <a:sym typeface="+mn-ea"/>
-              </a:rPr>
-              <a:t>、</a:t>
-            </a:r>
-            <a:r>
+              <a:t>暂时性死区（temporal dead zone）特性</a:t>
+            </a:r>
+            <a:br>
               <a:rPr kumimoji="0" lang="en-US" altLang="zh-CN" sz="3200" dirty="0" smtClean="0">
                 <a:solidFill>
                   <a:schemeClr val="tx1"/>
                 </a:solidFill>
                 <a:sym typeface="+mn-ea"/>
               </a:rPr>
-              <a:t>ES6</a:t>
-            </a:r>
-            <a:r>
-              <a:rPr kumimoji="0" lang="zh-CN" altLang="en-US" sz="3200" dirty="0" smtClean="0">
-                <a:solidFill>
-                  <a:schemeClr val="tx1"/>
-                </a:solidFill>
-                <a:sym typeface="+mn-ea"/>
-              </a:rPr>
-              <a:t>中函数提升的不同（注意：</a:t>
-            </a:r>
-            <a:r>
-              <a:rPr kumimoji="0" lang="en-US" altLang="zh-CN" sz="3200" dirty="0" smtClean="0">
-                <a:solidFill>
-                  <a:schemeClr val="tx1"/>
-                </a:solidFill>
-                <a:sym typeface="+mn-ea"/>
-              </a:rPr>
-              <a:t>ES6</a:t>
-            </a:r>
-            <a:r>
-              <a:rPr kumimoji="0" lang="zh-CN" altLang="en-US" sz="3200" dirty="0" smtClean="0">
-                <a:solidFill>
-                  <a:schemeClr val="tx1"/>
-                </a:solidFill>
-                <a:sym typeface="+mn-ea"/>
-              </a:rPr>
-              <a:t>中的块）</a:t>
-            </a:r>
-          </a:p>
-          <a:p>
-            <a:pPr>
-              <a:lnSpc>
-                <a:spcPct val="130000"/>
-              </a:lnSpc>
-            </a:pPr>
-            <a:endParaRPr kumimoji="0" lang="zh-CN" altLang="en-US" sz="3200" dirty="0" smtClean="0">
+            </a:br>
+            <a:r>
+              <a:rPr kumimoji="0" lang="en-US" altLang="zh-CN" sz="2000" dirty="0" smtClean="0">
+                <a:solidFill>
+                  <a:schemeClr val="tx1"/>
+                </a:solidFill>
+                <a:sym typeface="+mn-ea"/>
+              </a:rPr>
+              <a:t>- </a:t>
+            </a:r>
+            <a:r>
+              <a:rPr kumimoji="0" lang="zh-CN" altLang="en-US" sz="2000" dirty="0" smtClean="0">
+                <a:solidFill>
+                  <a:schemeClr val="tx1"/>
+                </a:solidFill>
+                <a:sym typeface="+mn-ea"/>
+              </a:rPr>
+              <a:t>只要块级作用域内存在</a:t>
+            </a:r>
+            <a:r>
+              <a:rPr kumimoji="0" lang="en-US" altLang="zh-CN" sz="2000" dirty="0" smtClean="0">
+                <a:solidFill>
+                  <a:schemeClr val="tx1"/>
+                </a:solidFill>
+                <a:sym typeface="+mn-ea"/>
+              </a:rPr>
+              <a:t>let</a:t>
+            </a:r>
+            <a:r>
+              <a:rPr kumimoji="0" lang="zh-CN" altLang="en-US" sz="2000" dirty="0" smtClean="0">
+                <a:solidFill>
+                  <a:schemeClr val="tx1"/>
+                </a:solidFill>
+                <a:sym typeface="+mn-ea"/>
+              </a:rPr>
+              <a:t>，它所声明的变量就</a:t>
+            </a:r>
+            <a:r>
+              <a:rPr kumimoji="0" lang="en-US" altLang="zh-CN" sz="2000" dirty="0" smtClean="0">
+                <a:solidFill>
+                  <a:schemeClr val="tx1"/>
+                </a:solidFill>
+                <a:sym typeface="+mn-ea"/>
+              </a:rPr>
+              <a:t>“</a:t>
+            </a:r>
+            <a:r>
+              <a:rPr kumimoji="0" lang="zh-CN" altLang="en-US" sz="2000" dirty="0" smtClean="0">
+                <a:solidFill>
+                  <a:schemeClr val="tx1"/>
+                </a:solidFill>
+                <a:sym typeface="+mn-ea"/>
+              </a:rPr>
+              <a:t>绑定</a:t>
+            </a:r>
+            <a:r>
+              <a:rPr kumimoji="0" lang="en-US" altLang="zh-CN" sz="2000" dirty="0" smtClean="0">
+                <a:solidFill>
+                  <a:schemeClr val="tx1"/>
+                </a:solidFill>
+                <a:sym typeface="+mn-ea"/>
+              </a:rPr>
+              <a:t>”</a:t>
+            </a:r>
+            <a:r>
+              <a:rPr kumimoji="0" lang="zh-CN" altLang="en-US" sz="2000" dirty="0" smtClean="0">
+                <a:solidFill>
+                  <a:schemeClr val="tx1"/>
+                </a:solidFill>
+                <a:sym typeface="+mn-ea"/>
+              </a:rPr>
+              <a:t>在这个区域，不再受外部影响</a:t>
+            </a:r>
+            <a:br>
+              <a:rPr kumimoji="0" lang="zh-CN" altLang="en-US" sz="2000" dirty="0" smtClean="0">
+                <a:solidFill>
+                  <a:schemeClr val="tx1"/>
+                </a:solidFill>
+                <a:sym typeface="+mn-ea"/>
+              </a:rPr>
+            </a:br>
+            <a:r>
+              <a:rPr kumimoji="0" lang="en-US" altLang="zh-CN" sz="2000" dirty="0" smtClean="0">
+                <a:solidFill>
+                  <a:schemeClr val="tx1"/>
+                </a:solidFill>
+                <a:sym typeface="+mn-ea"/>
+              </a:rPr>
+              <a:t>- let</a:t>
+            </a:r>
+            <a:r>
+              <a:rPr kumimoji="0" lang="zh-CN" altLang="en-US" sz="2000" dirty="0" smtClean="0">
+                <a:solidFill>
+                  <a:schemeClr val="tx1"/>
+                </a:solidFill>
+                <a:sym typeface="+mn-ea"/>
+              </a:rPr>
+              <a:t>对这个块从一开始就形成了封闭的作用域，凡是在声明之前使用该变量，就会报错</a:t>
+            </a:r>
+            <a:endParaRPr kumimoji="0" lang="zh-CN" altLang="en-US" sz="2000" dirty="0" smtClean="0">
               <a:solidFill>
                 <a:schemeClr val="tx1"/>
               </a:solidFill>
               <a:sym typeface="+mn-ea"/>
             </a:endParaRPr>
-          </a:p>
-          <a:p>
-            <a:pPr>
-              <a:lnSpc>
-                <a:spcPct val="130000"/>
-              </a:lnSpc>
-            </a:pPr>
-            <a:endParaRPr kumimoji="0" lang="zh-CN" altLang="en-US" sz="3200" dirty="0" smtClean="0">
-              <a:solidFill>
-                <a:schemeClr val="tx1"/>
-              </a:solidFill>
-            </a:endParaRPr>
-          </a:p>
-          <a:p>
-            <a:pPr eaLnBrk="1" hangingPunct="1">
-              <a:lnSpc>
-                <a:spcPct val="150000"/>
-              </a:lnSpc>
-            </a:pPr>
-            <a:endParaRPr kumimoji="0" lang="en-US" altLang="zh-CN" sz="3600" dirty="0" smtClean="0">
-              <a:solidFill>
-                <a:schemeClr val="tx1"/>
-              </a:solidFill>
-            </a:endParaRPr>
-          </a:p>
-          <a:p>
-            <a:pPr eaLnBrk="1" hangingPunct="1">
-              <a:lnSpc>
-                <a:spcPct val="150000"/>
-              </a:lnSpc>
-            </a:pPr>
-            <a:endParaRPr kumimoji="0" lang="zh-CN" altLang="en-US" dirty="0" smtClean="0">
-              <a:solidFill>
-                <a:schemeClr val="tx1"/>
-              </a:solidFill>
-            </a:endParaRPr>
-          </a:p>
-        </p:txBody>
-      </p:sp>
-      <p:sp>
-        <p:nvSpPr>
-          <p:cNvPr id="2" name="内容占位符 1"/>
-          <p:cNvSpPr>
-            <a:spLocks noGrp="1"/>
-          </p:cNvSpPr>
-          <p:nvPr>
-            <p:ph sz="quarter" idx="11"/>
-          </p:nvPr>
-        </p:nvSpPr>
-        <p:spPr>
-          <a:xfrm>
-            <a:off x="947420" y="308610"/>
-            <a:ext cx="10057130" cy="490220"/>
-          </a:xfrm>
-        </p:spPr>
-        <p:txBody>
-          <a:bodyPr/>
-          <a:lstStyle/>
-          <a:p>
-            <a:r>
-              <a:rPr kumimoji="0" lang="en-US" altLang="zh-CN" dirty="0"/>
-              <a:t>ES6</a:t>
-            </a:r>
-            <a:r>
-              <a:rPr kumimoji="0" lang="zh-CN" altLang="en-US" dirty="0"/>
-              <a:t> </a:t>
-            </a:r>
-            <a:r>
-              <a:rPr kumimoji="0" lang="zh-CN" dirty="0"/>
-              <a:t>函数块作用域内提升特性</a:t>
-            </a:r>
-          </a:p>
-        </p:txBody>
-      </p:sp>
-      <p:sp>
-        <p:nvSpPr>
-          <p:cNvPr id="6" name="文本框 5"/>
-          <p:cNvSpPr txBox="1"/>
-          <p:nvPr/>
-        </p:nvSpPr>
-        <p:spPr>
-          <a:xfrm>
-            <a:off x="5174615" y="6065520"/>
-            <a:ext cx="6735445" cy="429895"/>
-          </a:xfrm>
-          <a:prstGeom prst="rect">
-            <a:avLst/>
-          </a:prstGeom>
-          <a:noFill/>
-        </p:spPr>
-        <p:txBody>
-          <a:bodyPr wrap="square" rtlCol="0">
-            <a:spAutoFit/>
-          </a:bodyPr>
-          <a:lstStyle/>
-          <a:p>
-            <a:pPr algn="l"/>
-            <a:r>
-              <a:rPr lang="zh-CN" altLang="en-US" sz="2200">
-                <a:solidFill>
-                  <a:srgbClr val="FF0000"/>
-                </a:solidFill>
-                <a:latin typeface="+mn-ea"/>
-                <a:ea typeface="+mn-ea"/>
-              </a:rPr>
-              <a:t>参见实例</a:t>
-            </a:r>
-            <a:r>
-              <a:rPr lang="en-US" altLang="zh-CN" sz="2200">
-                <a:solidFill>
-                  <a:srgbClr val="FF0000"/>
-                </a:solidFill>
-                <a:latin typeface="+mn-ea"/>
-                <a:ea typeface="+mn-ea"/>
-              </a:rPr>
-              <a:t>demo07 ES6</a:t>
-            </a:r>
-            <a:r>
-              <a:rPr lang="zh-CN" altLang="en-US" sz="2200">
-                <a:solidFill>
-                  <a:srgbClr val="FF0000"/>
-                </a:solidFill>
-                <a:latin typeface="+mn-ea"/>
-                <a:ea typeface="+mn-ea"/>
-              </a:rPr>
-              <a:t>中的函数提升特性</a:t>
-            </a:r>
-            <a:endParaRPr lang="zh-CN" altLang="en-US" sz="2200" dirty="0" smtClean="0">
-              <a:solidFill>
-                <a:srgbClr val="FF0000"/>
-              </a:solidFill>
-              <a:latin typeface="+mn-ea"/>
-              <a:ea typeface="+mn-ea"/>
-              <a:sym typeface="+mn-ea"/>
-            </a:endParaRPr>
-          </a:p>
-        </p:txBody>
-      </p:sp>
-      <p:pic>
-        <p:nvPicPr>
-          <p:cNvPr id="5" name="图片 4"/>
-          <p:cNvPicPr>
-            <a:picLocks noChangeAspect="1"/>
-          </p:cNvPicPr>
-          <p:nvPr/>
-        </p:nvPicPr>
-        <p:blipFill>
-          <a:blip r:embed="rId3"/>
-          <a:stretch>
-            <a:fillRect/>
-          </a:stretch>
-        </p:blipFill>
-        <p:spPr>
-          <a:xfrm>
-            <a:off x="1184910" y="1623695"/>
-            <a:ext cx="7827010" cy="3792855"/>
-          </a:xfrm>
-          <a:prstGeom prst="rect">
-            <a:avLst/>
-          </a:prstGeom>
-        </p:spPr>
-      </p:pic>
-    </p:spTree>
-  </p:cSld>
-  <p:clrMapOvr>
-    <a:masterClrMapping/>
-  </p:clrMapOvr>
-  <p:timing>
-    <p:tnLst>
-      <p:par>
-        <p:cTn id="1" dur="indefinite" restart="never" nodeType="tmRoot">
-          <p:childTnLst>
-            <p:seq concurrent="1" nextAc="seek">
-              <p:cTn id="2" dur="indefinite" nodeType="mainSeq">
-                <p:childTnLst>
-                  <p:par>
-                    <p:cTn id="3" fill="hold">
-                      <p:stCondLst>
-                        <p:cond delay="indefinite"/>
-                      </p:stCondLst>
-                      <p:childTnLst>
-                        <p:par>
-                          <p:cTn id="4" fill="hold">
-                            <p:stCondLst>
-                              <p:cond delay="0"/>
-                            </p:stCondLst>
-                            <p:childTnLst>
-                              <p:par>
-                                <p:cTn id="5" presetID="2" presetClass="entr" presetSubtype="4" fill="hold" nodeType="clickEffect">
-                                  <p:stCondLst>
-                                    <p:cond delay="0"/>
-                                  </p:stCondLst>
-                                  <p:childTnLst>
-                                    <p:set>
-                                      <p:cBhvr>
-                                        <p:cTn id="6" dur="1" fill="hold">
-                                          <p:stCondLst>
-                                            <p:cond delay="0"/>
-                                          </p:stCondLst>
-                                        </p:cTn>
-                                        <p:tgtEl>
-                                          <p:spTgt spid="11266">
-                                            <p:txEl>
-                                              <p:pRg st="0" end="0"/>
-                                            </p:txEl>
-                                          </p:spTgt>
-                                        </p:tgtEl>
-                                        <p:attrNameLst>
-                                          <p:attrName>style.visibility</p:attrName>
-                                        </p:attrNameLst>
-                                      </p:cBhvr>
-                                      <p:to>
-                                        <p:strVal val="visible"/>
-                                      </p:to>
-                                    </p:set>
-                                    <p:anim calcmode="lin" valueType="num">
-                                      <p:cBhvr additive="base">
-                                        <p:cTn id="7" dur="500" fill="hold"/>
-                                        <p:tgtEl>
-                                          <p:spTgt spid="11266">
-                                            <p:txEl>
-                                              <p:pRg st="0" end="0"/>
-                                            </p:txEl>
-                                          </p:spTgt>
-                                        </p:tgtEl>
-                                        <p:attrNameLst>
-                                          <p:attrName>ppt_x</p:attrName>
-                                        </p:attrNameLst>
-                                      </p:cBhvr>
-                                      <p:tavLst>
-                                        <p:tav tm="0">
-                                          <p:val>
-                                            <p:strVal val="#ppt_x"/>
-                                          </p:val>
-                                        </p:tav>
-                                        <p:tav tm="100000">
-                                          <p:val>
-                                            <p:strVal val="#ppt_x"/>
-                                          </p:val>
-                                        </p:tav>
-                                      </p:tavLst>
-                                    </p:anim>
-                                    <p:anim calcmode="lin" valueType="num">
-                                      <p:cBhvr additive="base">
-                                        <p:cTn id="8" dur="500" fill="hold"/>
-                                        <p:tgtEl>
-                                          <p:spTgt spid="11266">
-                                            <p:txEl>
-                                              <p:pRg st="0" end="0"/>
-                                            </p:txEl>
-                                          </p:spTgt>
-                                        </p:tgtEl>
-                                        <p:attrNameLst>
-                                          <p:attrName>ppt_y</p:attrName>
-                                        </p:attrNameLst>
-                                      </p:cBhvr>
-                                      <p:tavLst>
-                                        <p:tav tm="0">
-                                          <p:val>
-                                            <p:strVal val="1+#ppt_h/2"/>
-                                          </p:val>
-                                        </p:tav>
-                                        <p:tav tm="100000">
-                                          <p:val>
-                                            <p:strVal val="#ppt_y"/>
-                                          </p:val>
-                                        </p:tav>
-                                      </p:tavLst>
-                                    </p:anim>
-                                  </p:childTnLst>
-                                </p:cTn>
-                              </p:par>
-                            </p:childTnLst>
-                          </p:cTn>
-                        </p:par>
-                      </p:childTnLst>
-                    </p:cTn>
-                  </p:par>
-                  <p:par>
-                    <p:cTn id="9" fill="hold">
-                      <p:stCondLst>
-                        <p:cond delay="indefinite"/>
-                      </p:stCondLst>
-                      <p:childTnLst>
-                        <p:par>
-                          <p:cTn id="10" fill="hold">
-                            <p:stCondLst>
-                              <p:cond delay="0"/>
-                            </p:stCondLst>
-                            <p:childTnLst>
-                              <p:par>
-                                <p:cTn id="11" presetID="2" presetClass="entr" presetSubtype="4" fill="hold" nodeType="clickEffect">
-                                  <p:stCondLst>
-                                    <p:cond delay="0"/>
-                                  </p:stCondLst>
-                                  <p:childTnLst>
-                                    <p:set>
-                                      <p:cBhvr>
-                                        <p:cTn id="12" dur="1" fill="hold">
-                                          <p:stCondLst>
-                                            <p:cond delay="0"/>
-                                          </p:stCondLst>
-                                        </p:cTn>
-                                        <p:tgtEl>
-                                          <p:spTgt spid="5"/>
-                                        </p:tgtEl>
-                                        <p:attrNameLst>
-                                          <p:attrName>style.visibility</p:attrName>
-                                        </p:attrNameLst>
-                                      </p:cBhvr>
-                                      <p:to>
-                                        <p:strVal val="visible"/>
-                                      </p:to>
-                                    </p:set>
-                                    <p:anim calcmode="lin" valueType="num">
-                                      <p:cBhvr additive="base">
-                                        <p:cTn id="13" dur="500" fill="hold"/>
-                                        <p:tgtEl>
-                                          <p:spTgt spid="5"/>
-                                        </p:tgtEl>
-                                        <p:attrNameLst>
-                                          <p:attrName>ppt_x</p:attrName>
-                                        </p:attrNameLst>
-                                      </p:cBhvr>
-                                      <p:tavLst>
-                                        <p:tav tm="0">
-                                          <p:val>
-                                            <p:strVal val="#ppt_x"/>
-                                          </p:val>
-                                        </p:tav>
-                                        <p:tav tm="100000">
-                                          <p:val>
-                                            <p:strVal val="#ppt_x"/>
-                                          </p:val>
-                                        </p:tav>
-                                      </p:tavLst>
-                                    </p:anim>
-                                    <p:anim calcmode="lin" valueType="num">
-                                      <p:cBhvr additive="base">
-                                        <p:cTn id="14" dur="500" fill="hold"/>
-                                        <p:tgtEl>
-                                          <p:spTgt spid="5"/>
-                                        </p:tgtEl>
-                                        <p:attrNameLst>
-                                          <p:attrName>ppt_y</p:attrName>
-                                        </p:attrNameLst>
-                                      </p:cBhvr>
-                                      <p:tavLst>
-                                        <p:tav tm="0">
-                                          <p:val>
-                                            <p:strVal val="1+#ppt_h/2"/>
-                                          </p:val>
-                                        </p:tav>
-                                        <p:tav tm="100000">
-                                          <p:val>
-                                            <p:strVal val="#ppt_y"/>
-                                          </p:val>
-                                        </p:tav>
-                                      </p:tavLst>
-                                    </p:anim>
-                                  </p:childTnLst>
-                                </p:cTn>
-                              </p:par>
-                            </p:childTnLst>
-                          </p:cTn>
-                        </p:par>
-                        <p:par>
-                          <p:cTn id="15" fill="hold">
-                            <p:stCondLst>
-                              <p:cond delay="500"/>
-                            </p:stCondLst>
-                            <p:childTnLst>
-                              <p:par>
-                                <p:cTn id="16" presetID="2" presetClass="entr" presetSubtype="4" fill="hold" grpId="0" nodeType="afterEffect">
-                                  <p:stCondLst>
-                                    <p:cond delay="0"/>
-                                  </p:stCondLst>
-                                  <p:childTnLst>
-                                    <p:set>
-                                      <p:cBhvr>
-                                        <p:cTn id="17" dur="1" fill="hold">
-                                          <p:stCondLst>
-                                            <p:cond delay="0"/>
-                                          </p:stCondLst>
-                                        </p:cTn>
-                                        <p:tgtEl>
-                                          <p:spTgt spid="6"/>
-                                        </p:tgtEl>
-                                        <p:attrNameLst>
-                                          <p:attrName>style.visibility</p:attrName>
-                                        </p:attrNameLst>
-                                      </p:cBhvr>
-                                      <p:to>
-                                        <p:strVal val="visible"/>
-                                      </p:to>
-                                    </p:set>
-                                    <p:anim calcmode="lin" valueType="num">
-                                      <p:cBhvr additive="base">
-                                        <p:cTn id="18" dur="500" fill="hold"/>
-                                        <p:tgtEl>
-                                          <p:spTgt spid="6"/>
-                                        </p:tgtEl>
-                                        <p:attrNameLst>
-                                          <p:attrName>ppt_x</p:attrName>
-                                        </p:attrNameLst>
-                                      </p:cBhvr>
-                                      <p:tavLst>
-                                        <p:tav tm="0">
-                                          <p:val>
-                                            <p:strVal val="#ppt_x"/>
-                                          </p:val>
-                                        </p:tav>
-                                        <p:tav tm="100000">
-                                          <p:val>
-                                            <p:strVal val="#ppt_x"/>
-                                          </p:val>
-                                        </p:tav>
-                                      </p:tavLst>
-                                    </p:anim>
-                                    <p:anim calcmode="lin" valueType="num">
-                                      <p:cBhvr additive="base">
-                                        <p:cTn id="19" dur="500" fill="hold"/>
-                                        <p:tgtEl>
-                                          <p:spTgt spid="6"/>
-                                        </p:tgtEl>
-                                        <p:attrNameLst>
-                                          <p:attrName>ppt_y</p:attrName>
-                                        </p:attrNameLst>
-                                      </p:cBhvr>
-                                      <p:tavLst>
-                                        <p:tav tm="0">
-                                          <p:val>
-                                            <p:strVal val="1+#ppt_h/2"/>
-                                          </p:val>
-                                        </p:tav>
-                                        <p:tav tm="100000">
-                                          <p:val>
-                                            <p:strVal val="#ppt_y"/>
-                                          </p:val>
-                                        </p:tav>
-                                      </p:tavLst>
-                                    </p:anim>
-                                  </p:childTnLst>
-                                </p:cTn>
-                              </p:par>
-                            </p:childTnLst>
-                          </p:cTn>
-                        </p:par>
-                      </p:childTnLst>
-                    </p:cTn>
-                  </p:par>
-                </p:childTnLst>
-              </p:cTn>
-              <p:prevCondLst>
-                <p:cond evt="onPrev" delay="0">
-                  <p:tgtEl>
-                    <p:sldTgt/>
-                  </p:tgtEl>
-                </p:cond>
-              </p:prevCondLst>
-              <p:nextCondLst>
-                <p:cond evt="onNext" delay="0">
-                  <p:tgtEl>
-                    <p:sldTgt/>
-                  </p:tgtEl>
-                </p:cond>
-              </p:nextCondLst>
-            </p:seq>
-          </p:childTnLst>
-        </p:cTn>
-      </p:par>
-    </p:tnLst>
-    <p:bldLst>
-      <p:bldP spid="6" grpId="0"/>
-    </p:bldLst>
-  </p:timing>
-</p:sld>
-</file>
-
-<file path=ppt/slides/slide14.xml><?xml version="1.0" encoding="utf-8"?>
-<p:sld xmlns:a="http://schemas.openxmlformats.org/drawingml/2006/main" xmlns:r="http://schemas.openxmlformats.org/officeDocument/2006/relationships" xmlns:p="http://schemas.openxmlformats.org/presentationml/2006/main">
-  <p:cSld>
-    <p:spTree>
-      <p:nvGrpSpPr>
-        <p:cNvPr id="1" name=""/>
-        <p:cNvGrpSpPr/>
-        <p:nvPr/>
-      </p:nvGrpSpPr>
-      <p:grpSpPr>
-        <a:xfrm>
-          <a:off x="0" y="0"/>
-          <a:ext cx="0" cy="0"/>
-          <a:chOff x="0" y="0"/>
-          <a:chExt cx="0" cy="0"/>
-        </a:xfrm>
-      </p:grpSpPr>
-      <p:sp>
-        <p:nvSpPr>
-          <p:cNvPr id="11266" name="内容占位符 1"/>
-          <p:cNvSpPr>
-            <a:spLocks noGrp="1"/>
-          </p:cNvSpPr>
-          <p:nvPr>
-            <p:ph sz="quarter" idx="10"/>
-          </p:nvPr>
-        </p:nvSpPr>
-        <p:spPr bwMode="auto">
-          <a:xfrm>
-            <a:off x="947420" y="796925"/>
-            <a:ext cx="10057130" cy="5115560"/>
-          </a:xfrm>
-          <a:noFill/>
-          <a:extLst>
-            <a:ext uri="{909E8E84-426E-40DD-AFC4-6F175D3DCCD1}">
-              <a14:hiddenFill xmlns:a14="http://schemas.microsoft.com/office/drawing/2010/main">
-                <a:solidFill>
-                  <a:srgbClr val="FFFFFF"/>
-                </a:solidFill>
-              </a14:hiddenFill>
-            </a:ext>
-            <a:ext uri="{91240B29-F687-4F45-9708-019B960494DF}">
-              <a14:hiddenLine xmlns:a14="http://schemas.microsoft.com/office/drawing/2010/main" w="9525">
-                <a:solidFill>
-                  <a:srgbClr val="000000"/>
-                </a:solidFill>
-                <a:miter lim="800000"/>
-                <a:headEnd/>
-                <a:tailEnd/>
-              </a14:hiddenLine>
-            </a:ext>
-          </a:extLst>
-        </p:spPr>
-        <p:txBody>
-          <a:bodyPr vert="horz" wrap="square" lIns="91440" tIns="45720" rIns="91440" bIns="45720" numCol="1" anchor="t" anchorCtr="0" compatLnSpc="1"/>
-          <a:lstStyle/>
-          <a:p>
-            <a:pPr>
-              <a:lnSpc>
-                <a:spcPct val="130000"/>
-              </a:lnSpc>
-            </a:pPr>
-            <a:r>
-              <a:rPr kumimoji="0" lang="en-US" altLang="zh-CN" sz="3200" dirty="0" smtClean="0">
-                <a:solidFill>
-                  <a:schemeClr val="tx1"/>
-                </a:solidFill>
-                <a:sym typeface="+mn-ea"/>
-              </a:rPr>
-              <a:t>暂时性死区（temporal dead zone）特性</a:t>
-            </a:r>
-            <a:br>
-              <a:rPr kumimoji="0" lang="en-US" altLang="zh-CN" sz="3200" dirty="0" smtClean="0">
-                <a:solidFill>
-                  <a:schemeClr val="tx1"/>
-                </a:solidFill>
-                <a:sym typeface="+mn-ea"/>
-              </a:rPr>
-            </a:br>
-            <a:r>
-              <a:rPr kumimoji="0" lang="en-US" altLang="zh-CN" sz="2000" dirty="0" smtClean="0">
-                <a:solidFill>
-                  <a:schemeClr val="tx1"/>
-                </a:solidFill>
-                <a:sym typeface="+mn-ea"/>
-              </a:rPr>
-              <a:t>- </a:t>
-            </a:r>
-            <a:r>
-              <a:rPr kumimoji="0" lang="zh-CN" altLang="en-US" sz="2000" dirty="0" smtClean="0">
-                <a:solidFill>
-                  <a:schemeClr val="tx1"/>
-                </a:solidFill>
-                <a:sym typeface="+mn-ea"/>
-              </a:rPr>
-              <a:t>只要块级作用域内存在</a:t>
-            </a:r>
-            <a:r>
-              <a:rPr kumimoji="0" lang="en-US" altLang="zh-CN" sz="2000" dirty="0" smtClean="0">
-                <a:solidFill>
-                  <a:schemeClr val="tx1"/>
-                </a:solidFill>
-                <a:sym typeface="+mn-ea"/>
-              </a:rPr>
-              <a:t>let</a:t>
-            </a:r>
-            <a:r>
-              <a:rPr kumimoji="0" lang="zh-CN" altLang="en-US" sz="2000" dirty="0" smtClean="0">
-                <a:solidFill>
-                  <a:schemeClr val="tx1"/>
-                </a:solidFill>
-                <a:sym typeface="+mn-ea"/>
-              </a:rPr>
-              <a:t>，它所声明的变量就</a:t>
-            </a:r>
-            <a:r>
-              <a:rPr kumimoji="0" lang="en-US" altLang="zh-CN" sz="2000" dirty="0" smtClean="0">
-                <a:solidFill>
-                  <a:schemeClr val="tx1"/>
-                </a:solidFill>
-                <a:sym typeface="+mn-ea"/>
-              </a:rPr>
-              <a:t>“</a:t>
-            </a:r>
-            <a:r>
-              <a:rPr kumimoji="0" lang="zh-CN" altLang="en-US" sz="2000" dirty="0" smtClean="0">
-                <a:solidFill>
-                  <a:schemeClr val="tx1"/>
-                </a:solidFill>
-                <a:sym typeface="+mn-ea"/>
-              </a:rPr>
-              <a:t>绑定</a:t>
-            </a:r>
-            <a:r>
-              <a:rPr kumimoji="0" lang="en-US" altLang="zh-CN" sz="2000" dirty="0" smtClean="0">
-                <a:solidFill>
-                  <a:schemeClr val="tx1"/>
-                </a:solidFill>
-                <a:sym typeface="+mn-ea"/>
-              </a:rPr>
-              <a:t>”</a:t>
-            </a:r>
-            <a:r>
-              <a:rPr kumimoji="0" lang="zh-CN" altLang="en-US" sz="2000" dirty="0" smtClean="0">
-                <a:solidFill>
-                  <a:schemeClr val="tx1"/>
-                </a:solidFill>
-                <a:sym typeface="+mn-ea"/>
-              </a:rPr>
-              <a:t>在这个区域，不再受外部影响</a:t>
-            </a:r>
-            <a:br>
-              <a:rPr kumimoji="0" lang="zh-CN" altLang="en-US" sz="2000" dirty="0" smtClean="0">
-                <a:solidFill>
-                  <a:schemeClr val="tx1"/>
-                </a:solidFill>
-                <a:sym typeface="+mn-ea"/>
-              </a:rPr>
-            </a:br>
-            <a:r>
-              <a:rPr kumimoji="0" lang="en-US" altLang="zh-CN" sz="2000" dirty="0" smtClean="0">
-                <a:solidFill>
-                  <a:schemeClr val="tx1"/>
-                </a:solidFill>
-                <a:sym typeface="+mn-ea"/>
-              </a:rPr>
-              <a:t>- let</a:t>
-            </a:r>
-            <a:r>
-              <a:rPr kumimoji="0" lang="zh-CN" altLang="en-US" sz="2000" dirty="0" smtClean="0">
-                <a:solidFill>
-                  <a:schemeClr val="tx1"/>
-                </a:solidFill>
-                <a:sym typeface="+mn-ea"/>
-              </a:rPr>
-              <a:t>对这个块从一开始就形成了封闭的作用域，凡是在声明之前使用该变量，就会报错</a:t>
-            </a:r>
           </a:p>
           <a:p>
             <a:pPr>
@@ -7386,6 +6807,12 @@
               </a:rPr>
               <a:t>则不可以</a:t>
             </a:r>
+            <a:endParaRPr kumimoji="0" lang="zh-CN" altLang="en-US" sz="3200" dirty="0" smtClean="0">
+              <a:solidFill>
+                <a:schemeClr val="tx1"/>
+              </a:solidFill>
+              <a:sym typeface="+mn-ea"/>
+            </a:endParaRPr>
           </a:p>
           <a:p>
             <a:pPr>
@@ -7506,6 +6933,9 @@
               </a:rPr>
               <a:t>暂时性死区特性</a:t>
             </a:r>
+            <a:endParaRPr kumimoji="0" lang="zh-CN" altLang="en-US" dirty="0">
+              <a:sym typeface="+mn-ea"/>
+            </a:endParaRPr>
           </a:p>
         </p:txBody>
       </p:sp>
@@ -7518,7 +6948,7 @@
           <p:nvPr/>
         </p:nvPicPr>
         <p:blipFill>
-          <a:blip r:embed="rId3"/>
+          <a:blip r:embed="rId1"/>
           <a:stretch>
             <a:fillRect/>
           </a:stretch>
@@ -7574,7 +7004,7 @@
                 <a:latin typeface="+mn-ea"/>
                 <a:ea typeface="+mn-ea"/>
               </a:rPr>
-              <a:t>demo08 let</a:t>
+              <a:t>demo07 let</a:t>
             </a:r>
             <a:r>
               <a:rPr lang="zh-CN" altLang="en-US" sz="2200">
@@ -8174,7 +7604,7 @@
 </p:sld>
 </file>
 
-<file path=ppt/slides/slide15.xml><?xml version="1.0" encoding="utf-8"?>
+<file path=ppt/slides/slide14.xml><?xml version="1.0" encoding="utf-8"?>
 <p:sld xmlns:a="http://schemas.openxmlformats.org/drawingml/2006/main" xmlns:r="http://schemas.openxmlformats.org/officeDocument/2006/relationships" xmlns:p="http://schemas.openxmlformats.org/presentationml/2006/main">
   <p:cSld>
     <p:spTree>
@@ -8385,6 +7815,11 @@
               </a:rPr>
               <a:t>及其缺陷</a:t>
             </a:r>
+            <a:endParaRPr lang="zh-CN" altLang="en-US" sz="2800" b="1">
+              <a:solidFill>
+                <a:schemeClr val="tx1"/>
+              </a:solidFill>
+            </a:endParaRPr>
           </a:p>
           <a:p>
             <a:pPr algn="l">
@@ -8448,6 +7883,12 @@
               </a:rPr>
               <a:t>const</a:t>
             </a:r>
+            <a:endParaRPr lang="en-US" altLang="zh-CN" sz="2800" b="1">
+              <a:solidFill>
+                <a:schemeClr val="tx1"/>
+              </a:solidFill>
+              <a:sym typeface="+mn-ea"/>
+            </a:endParaRPr>
           </a:p>
           <a:p>
             <a:pPr algn="l">
@@ -8482,6 +7923,7 @@
               <a:rPr lang="zh-CN" altLang="en-US" sz="2800" b="1"/>
               <a:t>的重要特性</a:t>
             </a:r>
+            <a:endParaRPr lang="zh-CN" altLang="en-US" sz="2800" b="1"/>
           </a:p>
         </p:txBody>
       </p:sp>
@@ -8718,7 +8160,7 @@
 </p:sld>
 </file>
 
-<file path=ppt/slides/slide16.xml><?xml version="1.0" encoding="utf-8"?>
+<file path=ppt/slides/slide15.xml><?xml version="1.0" encoding="utf-8"?>
 <p:sld xmlns:a="http://schemas.openxmlformats.org/drawingml/2006/main" xmlns:r="http://schemas.openxmlformats.org/officeDocument/2006/relationships" xmlns:p="http://schemas.openxmlformats.org/presentationml/2006/main">
   <p:cSld>
     <p:spTree>
@@ -8744,7 +8186,7 @@
           <p:nvPr/>
         </p:nvPicPr>
         <p:blipFill>
-          <a:blip r:embed="rId2">
+          <a:blip r:embed="rId1">
             <a:extLst>
               <a:ext uri="{28A0092B-C50C-407E-A947-70E740481C1C}">
                 <a14:useLocalDpi xmlns:a14="http://schemas.microsoft.com/office/drawing/2010/main" val="0"/>
@@ -8862,7 +8304,7 @@
           <p:nvPr/>
         </p:nvPicPr>
         <p:blipFill>
-          <a:blip r:embed="rId3">
+          <a:blip r:embed="rId2">
             <a:extLst>
               <a:ext uri="{28A0092B-C50C-407E-A947-70E740481C1C}">
                 <a14:useLocalDpi xmlns:a14="http://schemas.microsoft.com/office/drawing/2010/main" val="0"/>
@@ -9078,14 +8520,6 @@
               </a:rPr>
               <a:t>）</a:t>
             </a:r>
-            <a:r>
-              <a:rPr kumimoji="0" lang="zh-CN" altLang="en-US" dirty="0">
-                <a:solidFill>
-                  <a:schemeClr val="tx1"/>
-                </a:solidFill>
-              </a:rPr>
-              <a:t/>
-            </a:r>
             <a:br>
               <a:rPr kumimoji="0" lang="zh-CN" altLang="en-US" dirty="0">
                 <a:solidFill>
@@ -9230,6 +8664,12 @@
               </a:rPr>
               <a:t>中的缺陷</a:t>
             </a:r>
+            <a:endParaRPr kumimoji="0" lang="zh-CN" altLang="en-US" sz="2000" dirty="0">
+              <a:solidFill>
+                <a:schemeClr val="tx1"/>
+              </a:solidFill>
+              <a:sym typeface="+mn-ea"/>
+            </a:endParaRPr>
           </a:p>
           <a:p>
             <a:r>
@@ -9265,7 +8705,7 @@
               </a:rPr>
               <a:t>的支持情况</a:t>
             </a:r>
-            <a:r>
+            <a:br>
               <a:rPr lang="zh-CN" altLang="en-US" sz="2000">
                 <a:solidFill>
                   <a:schemeClr val="tx1"/>
@@ -9274,7 +8714,50 @@
                 <a:ea typeface="+mn-ea"/>
                 <a:sym typeface="+mn-ea"/>
               </a:rPr>
-              <a:t/>
+            </a:br>
+            <a:r>
+              <a:rPr lang="en-US" altLang="zh-CN" sz="2000">
+                <a:solidFill>
+                  <a:schemeClr val="tx1"/>
+                </a:solidFill>
+                <a:latin typeface="+mn-ea"/>
+                <a:ea typeface="+mn-ea"/>
+                <a:sym typeface="+mn-ea"/>
+              </a:rPr>
+              <a:t>- </a:t>
+            </a:r>
+            <a:r>
+              <a:rPr lang="zh-CN" altLang="en-US" sz="2000">
+                <a:solidFill>
+                  <a:schemeClr val="tx1"/>
+                </a:solidFill>
+                <a:latin typeface="+mn-ea"/>
+                <a:ea typeface="+mn-ea"/>
+                <a:sym typeface="+mn-ea"/>
+              </a:rPr>
+              <a:t>http</a:t>
+            </a:r>
+            <a:r>
+              <a:rPr lang="en-US" altLang="zh-CN" sz="2000">
+                <a:solidFill>
+                  <a:schemeClr val="tx1"/>
+                </a:solidFill>
+                <a:latin typeface="+mn-ea"/>
+                <a:ea typeface="+mn-ea"/>
+                <a:sym typeface="+mn-ea"/>
+              </a:rPr>
+              <a:t>s</a:t>
+            </a:r>
+            <a:r>
+              <a:rPr lang="zh-CN" altLang="en-US" sz="2000">
+                <a:solidFill>
+                  <a:schemeClr val="tx1"/>
+                </a:solidFill>
+                <a:latin typeface="+mn-ea"/>
+                <a:ea typeface="+mn-ea"/>
+                <a:sym typeface="+mn-ea"/>
+              </a:rPr>
+              <a:t>://ruanyf.github.io/es-checker/index.cn.html</a:t>
             </a:r>
             <a:br>
               <a:rPr lang="zh-CN" altLang="en-US" sz="2000">
@@ -9306,10 +8789,20 @@
                 <a:ea typeface="+mn-ea"/>
                 <a:sym typeface="+mn-ea"/>
               </a:rPr>
-              <a:t>http</a:t>
-            </a:r>
-            <a:r>
-              <a:rPr lang="en-US" altLang="zh-CN" sz="2000">
+              <a:t>https://kangax.github.io/compat-table/es6/  和  http://node.green/  </a:t>
+            </a:r>
+            <a:endParaRPr lang="zh-CN" altLang="en-US" sz="2000">
+              <a:solidFill>
+                <a:schemeClr val="tx1"/>
+              </a:solidFill>
+              <a:latin typeface="+mn-ea"/>
+              <a:ea typeface="+mn-ea"/>
+              <a:sym typeface="+mn-ea"/>
+            </a:endParaRPr>
+          </a:p>
+          <a:p>
+            <a:r>
+              <a:rPr lang="zh-CN" altLang="en-US" sz="3200">
                 <a:solidFill>
                   <a:schemeClr val="tx1"/>
                 </a:solidFill>
@@ -9317,10 +8810,10 @@
                 <a:ea typeface="+mn-ea"/>
                 <a:sym typeface="+mn-ea"/>
               </a:rPr>
-              <a:t>s</a:t>
-            </a:r>
-            <a:r>
-              <a:rPr lang="zh-CN" altLang="en-US" sz="2000">
+              <a:t>遇到兼容问题时如何将</a:t>
+            </a:r>
+            <a:r>
+              <a:rPr lang="en-US" altLang="zh-CN" sz="3200">
                 <a:solidFill>
                   <a:schemeClr val="tx1"/>
                 </a:solidFill>
@@ -9328,10 +8821,10 @@
                 <a:ea typeface="+mn-ea"/>
                 <a:sym typeface="+mn-ea"/>
               </a:rPr>
-              <a:t>://ruanyf.github.io/es-checker/index.cn.html</a:t>
-            </a:r>
-            <a:br>
-              <a:rPr lang="zh-CN" altLang="en-US" sz="2000">
+              <a:t>ES6</a:t>
+            </a:r>
+            <a:r>
+              <a:rPr lang="zh-CN" altLang="en-US" sz="3200">
                 <a:solidFill>
                   <a:schemeClr val="tx1"/>
                 </a:solidFill>
@@ -9339,9 +8832,10 @@
                 <a:ea typeface="+mn-ea"/>
                 <a:sym typeface="+mn-ea"/>
               </a:rPr>
-            </a:br>
-            <a:r>
-              <a:rPr lang="en-US" altLang="zh-CN" sz="2000">
+              <a:t>转为</a:t>
+            </a:r>
+            <a:r>
+              <a:rPr lang="en-US" altLang="zh-CN" sz="3200">
                 <a:solidFill>
                   <a:schemeClr val="tx1"/>
                 </a:solidFill>
@@ -9349,10 +8843,10 @@
                 <a:ea typeface="+mn-ea"/>
                 <a:sym typeface="+mn-ea"/>
               </a:rPr>
-              <a:t>- </a:t>
-            </a:r>
-            <a:r>
-              <a:rPr lang="zh-CN" altLang="en-US" sz="2000">
+              <a:t>ES5</a:t>
+            </a:r>
+            <a:r>
+              <a:rPr lang="zh-CN" altLang="en-US" sz="3200">
                 <a:solidFill>
                   <a:schemeClr val="tx1"/>
                 </a:solidFill>
@@ -9360,65 +8854,16 @@
                 <a:ea typeface="+mn-ea"/>
                 <a:sym typeface="+mn-ea"/>
               </a:rPr>
-              <a:t>https://kangax.github.io/compat-table/es6/  和  http://node.green/  </a:t>
-            </a:r>
-          </a:p>
-          <a:p>
-            <a:r>
-              <a:rPr lang="zh-CN" altLang="en-US" sz="3200">
-                <a:solidFill>
-                  <a:schemeClr val="tx1"/>
-                </a:solidFill>
-                <a:latin typeface="+mn-ea"/>
-                <a:ea typeface="+mn-ea"/>
-                <a:sym typeface="+mn-ea"/>
-              </a:rPr>
-              <a:t>遇到兼容问题时如何将</a:t>
-            </a:r>
-            <a:r>
-              <a:rPr lang="en-US" altLang="zh-CN" sz="3200">
-                <a:solidFill>
-                  <a:schemeClr val="tx1"/>
-                </a:solidFill>
-                <a:latin typeface="+mn-ea"/>
-                <a:ea typeface="+mn-ea"/>
-                <a:sym typeface="+mn-ea"/>
-              </a:rPr>
-              <a:t>ES6</a:t>
-            </a:r>
-            <a:r>
-              <a:rPr lang="zh-CN" altLang="en-US" sz="3200">
-                <a:solidFill>
-                  <a:schemeClr val="tx1"/>
-                </a:solidFill>
-                <a:latin typeface="+mn-ea"/>
-                <a:ea typeface="+mn-ea"/>
-                <a:sym typeface="+mn-ea"/>
-              </a:rPr>
-              <a:t>转为</a:t>
-            </a:r>
-            <a:r>
-              <a:rPr lang="en-US" altLang="zh-CN" sz="3200">
-                <a:solidFill>
-                  <a:schemeClr val="tx1"/>
-                </a:solidFill>
-                <a:latin typeface="+mn-ea"/>
-                <a:ea typeface="+mn-ea"/>
-                <a:sym typeface="+mn-ea"/>
-              </a:rPr>
-              <a:t>ES5</a:t>
-            </a:r>
-            <a:r>
-              <a:rPr lang="zh-CN" altLang="en-US" sz="3200">
-                <a:solidFill>
-                  <a:schemeClr val="tx1"/>
-                </a:solidFill>
-                <a:latin typeface="+mn-ea"/>
-                <a:ea typeface="+mn-ea"/>
-                <a:sym typeface="+mn-ea"/>
-              </a:rPr>
               <a:t>（http://babeljs.io/）</a:t>
             </a:r>
+            <a:endParaRPr lang="zh-CN" altLang="en-US" sz="3200">
+              <a:solidFill>
+                <a:schemeClr val="tx1"/>
+              </a:solidFill>
+              <a:latin typeface="+mn-ea"/>
+              <a:ea typeface="+mn-ea"/>
+              <a:sym typeface="+mn-ea"/>
+            </a:endParaRPr>
           </a:p>
           <a:p>
             <a:endParaRPr kumimoji="0" lang="en-US" altLang="zh-CN" sz="2000" dirty="0">
@@ -9482,6 +8927,7 @@
               <a:rPr lang="zh-CN" altLang="en-US" dirty="0"/>
               <a:t>）</a:t>
             </a:r>
+            <a:endParaRPr lang="zh-CN" altLang="en-US" dirty="0"/>
           </a:p>
           <a:p>
             <a:endParaRPr lang="zh-CN" altLang="en-US" dirty="0"/>
@@ -9964,7 +9410,7 @@
           <p:nvPr/>
         </p:nvPicPr>
         <p:blipFill>
-          <a:blip r:embed="rId2">
+          <a:blip r:embed="rId1">
             <a:extLst>
               <a:ext uri="{28A0092B-C50C-407E-A947-70E740481C1C}">
                 <a14:useLocalDpi xmlns:a14="http://schemas.microsoft.com/office/drawing/2010/main" val="0"/>
@@ -10259,6 +9705,7 @@
               <a:rPr lang="en-US" altLang="zh-CN"/>
               <a:t>const</a:t>
             </a:r>
+            <a:endParaRPr lang="en-US" altLang="zh-CN"/>
           </a:p>
         </p:txBody>
       </p:sp>
@@ -10271,7 +9718,7 @@
           <p:nvPr/>
         </p:nvPicPr>
         <p:blipFill>
-          <a:blip r:embed="rId3">
+          <a:blip r:embed="rId2">
             <a:extLst>
               <a:ext uri="{28A0092B-C50C-407E-A947-70E740481C1C}">
                 <a14:useLocalDpi xmlns:a14="http://schemas.microsoft.com/office/drawing/2010/main" val="0"/>
@@ -10543,6 +9990,11 @@
               </a:rPr>
               <a:t>及其缺陷</a:t>
             </a:r>
+            <a:endParaRPr lang="zh-CN" altLang="en-US" sz="2800" b="1">
+              <a:solidFill>
+                <a:srgbClr val="FF0000"/>
+              </a:solidFill>
+            </a:endParaRPr>
           </a:p>
           <a:p>
             <a:pPr algn="l">
@@ -10606,6 +10058,12 @@
               </a:rPr>
               <a:t>const</a:t>
             </a:r>
+            <a:endParaRPr lang="en-US" altLang="zh-CN" sz="2800" b="1">
+              <a:solidFill>
+                <a:schemeClr val="tx1"/>
+              </a:solidFill>
+              <a:sym typeface="+mn-ea"/>
+            </a:endParaRPr>
           </a:p>
           <a:p>
             <a:pPr algn="l">
@@ -10640,6 +10098,7 @@
               <a:rPr lang="zh-CN" altLang="en-US" sz="2800" b="1"/>
               <a:t>的重要特性</a:t>
             </a:r>
+            <a:endParaRPr lang="zh-CN" altLang="en-US" sz="2800" b="1"/>
           </a:p>
         </p:txBody>
       </p:sp>
@@ -10983,6 +10442,12 @@
               </a:rPr>
               <a:t>无块作用域，可能造成变量污染）</a:t>
             </a:r>
+            <a:endParaRPr kumimoji="0" lang="zh-CN" altLang="en-US" sz="3200" dirty="0" smtClean="0">
+              <a:solidFill>
+                <a:schemeClr val="accent3"/>
+              </a:solidFill>
+              <a:sym typeface="+mn-ea"/>
+            </a:endParaRPr>
           </a:p>
           <a:p>
             <a:pPr>
@@ -11163,6 +10628,7 @@
               <a:rPr kumimoji="0" lang="zh-CN" altLang="en-US" dirty="0"/>
               <a:t>及其缺陷</a:t>
             </a:r>
+            <a:endParaRPr kumimoji="0" lang="zh-CN" altLang="en-US" dirty="0"/>
           </a:p>
         </p:txBody>
       </p:sp>
@@ -11239,6 +10705,13 @@
               </a:rPr>
               <a:t>定义变量及块的解决方案</a:t>
             </a:r>
+            <a:endParaRPr lang="zh-CN" altLang="en-US" sz="2200">
+              <a:solidFill>
+                <a:srgbClr val="FF0000"/>
+              </a:solidFill>
+              <a:latin typeface="+mn-ea"/>
+              <a:ea typeface="+mn-ea"/>
+            </a:endParaRPr>
           </a:p>
         </p:txBody>
       </p:sp>
@@ -11251,7 +10724,7 @@
           <p:nvPr/>
         </p:nvPicPr>
         <p:blipFill>
-          <a:blip r:embed="rId3"/>
+          <a:blip r:embed="rId1"/>
           <a:stretch>
             <a:fillRect/>
           </a:stretch>
@@ -11791,6 +11264,12 @@
               </a:rPr>
               <a:t>）</a:t>
             </a:r>
+            <a:endParaRPr kumimoji="0" lang="zh-CN" altLang="en-US" sz="3200" dirty="0" smtClean="0">
+              <a:solidFill>
+                <a:schemeClr val="tx1"/>
+              </a:solidFill>
+              <a:sym typeface="+mn-ea"/>
+            </a:endParaRPr>
           </a:p>
         </p:txBody>
       </p:sp>
@@ -11918,6 +11397,13 @@
               </a:rPr>
               <a:t>解决方案</a:t>
             </a:r>
+            <a:endParaRPr lang="zh-CN" altLang="en-US" sz="2200">
+              <a:solidFill>
+                <a:srgbClr val="FF0000"/>
+              </a:solidFill>
+              <a:latin typeface="+mn-ea"/>
+              <a:ea typeface="+mn-ea"/>
+            </a:endParaRPr>
           </a:p>
         </p:txBody>
       </p:sp>
@@ -11930,7 +11416,7 @@
           <p:nvPr/>
         </p:nvPicPr>
         <p:blipFill>
-          <a:blip r:embed="rId3"/>
+          <a:blip r:embed="rId1"/>
           <a:stretch>
             <a:fillRect/>
           </a:stretch>
@@ -11954,7 +11440,7 @@
           <p:nvPr/>
         </p:nvPicPr>
         <p:blipFill>
-          <a:blip r:embed="rId4"/>
+          <a:blip r:embed="rId2"/>
           <a:stretch>
             <a:fillRect/>
           </a:stretch>
@@ -12589,6 +12075,11 @@
               </a:rPr>
               <a:t>及其缺陷</a:t>
             </a:r>
+            <a:endParaRPr lang="zh-CN" altLang="en-US" sz="2800" b="1">
+              <a:solidFill>
+                <a:schemeClr val="tx1"/>
+              </a:solidFill>
+            </a:endParaRPr>
           </a:p>
           <a:p>
             <a:pPr algn="l">
@@ -12652,6 +12143,12 @@
               </a:rPr>
               <a:t>const</a:t>
             </a:r>
+            <a:endParaRPr lang="en-US" altLang="zh-CN" sz="2800" b="1">
+              <a:solidFill>
+                <a:schemeClr val="accent3"/>
+              </a:solidFill>
+              <a:sym typeface="+mn-ea"/>
+            </a:endParaRPr>
           </a:p>
           <a:p>
             <a:pPr algn="l">
@@ -12686,6 +12183,7 @@
               <a:rPr lang="zh-CN" altLang="en-US" sz="2800" b="1"/>
               <a:t>的重要特性</a:t>
             </a:r>
+            <a:endParaRPr lang="zh-CN" altLang="en-US" sz="2800" b="1"/>
           </a:p>
         </p:txBody>
       </p:sp>
@@ -13055,15 +12553,6 @@
               </a:rPr>
               <a:t>类似</a:t>
             </a:r>
-            <a:r>
-              <a:rPr kumimoji="0" lang="en-US" altLang="zh-CN" sz="2000" dirty="0" smtClean="0">
-                <a:solidFill>
-                  <a:schemeClr val="tx1"/>
-                </a:solidFill>
-                <a:sym typeface="+mn-ea"/>
-              </a:rPr>
-              <a:t/>
-            </a:r>
             <a:br>
               <a:rPr kumimoji="0" lang="en-US" altLang="zh-CN" sz="2000" dirty="0" smtClean="0">
                 <a:solidFill>
@@ -13099,6 +12588,12 @@
               </a:rPr>
               <a:t>内有效</a:t>
             </a:r>
+            <a:endParaRPr kumimoji="0" lang="zh-CN" altLang="en-US" sz="2000" dirty="0" smtClean="0">
+              <a:solidFill>
+                <a:schemeClr val="tx1"/>
+              </a:solidFill>
+              <a:sym typeface="+mn-ea"/>
+            </a:endParaRPr>
           </a:p>
           <a:p>
             <a:pPr>
@@ -13200,6 +12695,9 @@
               </a:rPr>
               <a:t>const</a:t>
             </a:r>
+            <a:endParaRPr kumimoji="0" lang="en-US" altLang="zh-CN" dirty="0">
+              <a:sym typeface="+mn-ea"/>
+            </a:endParaRPr>
           </a:p>
         </p:txBody>
       </p:sp>
@@ -13276,6 +12774,13 @@
               </a:rPr>
               <a:t>来声明变量 避免变量污染</a:t>
             </a:r>
+            <a:endParaRPr lang="zh-CN" altLang="en-US" sz="2200">
+              <a:solidFill>
+                <a:srgbClr val="FF0000"/>
+              </a:solidFill>
+              <a:latin typeface="+mn-ea"/>
+              <a:ea typeface="+mn-ea"/>
+            </a:endParaRPr>
           </a:p>
         </p:txBody>
       </p:sp>
@@ -13288,7 +12793,7 @@
           <p:nvPr/>
         </p:nvPicPr>
         <p:blipFill>
-          <a:blip r:embed="rId3"/>
+          <a:blip r:embed="rId1"/>
           <a:stretch>
             <a:fillRect/>
           </a:stretch>
@@ -13736,6 +13241,9 @@
               </a:rPr>
               <a:t>const</a:t>
             </a:r>
+            <a:endParaRPr kumimoji="0" lang="en-US" altLang="zh-CN" dirty="0">
+              <a:sym typeface="+mn-ea"/>
+            </a:endParaRPr>
           </a:p>
         </p:txBody>
       </p:sp>
@@ -13748,7 +13256,7 @@
           <p:nvPr/>
         </p:nvPicPr>
         <p:blipFill>
-          <a:blip r:embed="rId3"/>
+          <a:blip r:embed="rId1"/>
           <a:stretch>
             <a:fillRect/>
           </a:stretch>
@@ -14469,10 +13977,9 @@
       </a:lstStyle>
     </a:lnDef>
   </a:objectDefaults>
-  <a:extraClrSchemeLst/>
   <a:extLst>
     <a:ext uri="{05A4C25C-085E-4340-85A3-A5531E510DB2}">
-      <thm15:themeFamily xmlns="" xmlns:thm15="http://schemas.microsoft.com/office/thememl/2012/main" name="Office Theme" id="{62F939B6-93AF-4DB8-9C6B-D6C7DFDC589F}" vid="{4A3C46E8-61CC-4603-A589-7422A47A8E4A}"/>
+      <thm15:themeFamily xmlns:thm15="http://schemas.microsoft.com/office/thememl/2012/main" name="Office Theme" id="{62F939B6-93AF-4DB8-9C6B-D6C7DFDC589F}" vid="{4A3C46E8-61CC-4603-A589-7422A47A8E4A}"/>
     </a:ext>
   </a:extLst>
 </a:theme>
@@ -14756,11 +14263,9 @@
       </a:bgFillStyleLst>
     </a:fmtScheme>
   </a:themeElements>
-  <a:objectDefaults/>
-  <a:extraClrSchemeLst/>
   <a:extLst>
     <a:ext uri="{05A4C25C-085E-4340-85A3-A5531E510DB2}">
-      <thm15:themeFamily xmlns="" xmlns:thm15="http://schemas.microsoft.com/office/thememl/2012/main" name="Office Theme" id="{62F939B6-93AF-4DB8-9C6B-D6C7DFDC589F}" vid="{4A3C46E8-61CC-4603-A589-7422A47A8E4A}"/>
+      <thm15:themeFamily xmlns:thm15="http://schemas.microsoft.com/office/thememl/2012/main" name="Office Theme" id="{62F939B6-93AF-4DB8-9C6B-D6C7DFDC589F}" vid="{4A3C46E8-61CC-4603-A589-7422A47A8E4A}"/>
     </a:ext>
   </a:extLst>
 </a:theme>
